--- a/figures/pau/soil isoscape combined.pptx
+++ b/figures/pau/soil isoscape combined.pptx
@@ -104,6 +104,22 @@
       </a:defRPr>
     </a:lvl9pPr>
   </p:defaultTextStyle>
+  <p:extLst>
+    <p:ext uri="{EFAFB233-063F-42B5-8137-9DF3F51BA10A}">
+      <p15:sldGuideLst xmlns:p15="http://schemas.microsoft.com/office/powerpoint/2012/main">
+        <p15:guide id="1" orient="horz" pos="2160">
+          <p15:clr>
+            <a:srgbClr val="A4A3A4"/>
+          </p15:clr>
+        </p15:guide>
+        <p15:guide id="2" pos="2880">
+          <p15:clr>
+            <a:srgbClr val="A4A3A4"/>
+          </p15:clr>
+        </p15:guide>
+      </p15:sldGuideLst>
+    </p:ext>
+  </p:extLst>
 </p:presentation>
 </file>
 
@@ -145,10 +161,9 @@
           <a:lstStyle/>
           <a:p>
             <a:r>
-              <a:rPr lang="en-US" smtClean="0"/>
+              <a:rPr lang="en-US"/>
               <a:t>Click to edit Master title style</a:t>
             </a:r>
-            <a:endParaRPr lang="en-US"/>
           </a:p>
         </p:txBody>
       </p:sp>
@@ -264,10 +279,9 @@
           </a:lstStyle>
           <a:p>
             <a:r>
-              <a:rPr lang="en-US" smtClean="0"/>
+              <a:rPr lang="en-US"/>
               <a:t>Click to edit Master subtitle style</a:t>
             </a:r>
-            <a:endParaRPr lang="en-US"/>
           </a:p>
         </p:txBody>
       </p:sp>
@@ -288,7 +302,7 @@
           <a:p>
             <a:fld id="{6761E3C2-9BEC-E04E-909B-4B2F00AFE974}" type="datetimeFigureOut">
               <a:rPr lang="en-US" smtClean="0"/>
-              <a:t>3/29/21</a:t>
+              <a:t>2/23/22</a:t>
             </a:fld>
             <a:endParaRPr lang="en-US"/>
           </a:p>
@@ -382,10 +396,9 @@
           <a:lstStyle/>
           <a:p>
             <a:r>
-              <a:rPr lang="en-US" smtClean="0"/>
+              <a:rPr lang="en-US"/>
               <a:t>Click to edit Master title style</a:t>
             </a:r>
-            <a:endParaRPr lang="en-US"/>
           </a:p>
         </p:txBody>
       </p:sp>
@@ -406,38 +419,37 @@
           <a:p>
             <a:pPr lvl="0"/>
             <a:r>
-              <a:rPr lang="en-US" smtClean="0"/>
+              <a:rPr lang="en-US"/>
               <a:t>Click to edit Master text styles</a:t>
             </a:r>
           </a:p>
           <a:p>
             <a:pPr lvl="1"/>
             <a:r>
-              <a:rPr lang="en-US" smtClean="0"/>
+              <a:rPr lang="en-US"/>
               <a:t>Second level</a:t>
             </a:r>
           </a:p>
           <a:p>
             <a:pPr lvl="2"/>
             <a:r>
-              <a:rPr lang="en-US" smtClean="0"/>
+              <a:rPr lang="en-US"/>
               <a:t>Third level</a:t>
             </a:r>
           </a:p>
           <a:p>
             <a:pPr lvl="3"/>
             <a:r>
-              <a:rPr lang="en-US" smtClean="0"/>
+              <a:rPr lang="en-US"/>
               <a:t>Fourth level</a:t>
             </a:r>
           </a:p>
           <a:p>
             <a:pPr lvl="4"/>
             <a:r>
-              <a:rPr lang="en-US" smtClean="0"/>
+              <a:rPr lang="en-US"/>
               <a:t>Fifth level</a:t>
             </a:r>
-            <a:endParaRPr lang="en-US"/>
           </a:p>
         </p:txBody>
       </p:sp>
@@ -458,7 +470,7 @@
           <a:p>
             <a:fld id="{6761E3C2-9BEC-E04E-909B-4B2F00AFE974}" type="datetimeFigureOut">
               <a:rPr lang="en-US" smtClean="0"/>
-              <a:t>3/29/21</a:t>
+              <a:t>2/23/22</a:t>
             </a:fld>
             <a:endParaRPr lang="en-US"/>
           </a:p>
@@ -557,10 +569,9 @@
           <a:lstStyle/>
           <a:p>
             <a:r>
-              <a:rPr lang="en-US" smtClean="0"/>
+              <a:rPr lang="en-US"/>
               <a:t>Click to edit Master title style</a:t>
             </a:r>
-            <a:endParaRPr lang="en-US"/>
           </a:p>
         </p:txBody>
       </p:sp>
@@ -586,38 +597,37 @@
           <a:p>
             <a:pPr lvl="0"/>
             <a:r>
-              <a:rPr lang="en-US" smtClean="0"/>
+              <a:rPr lang="en-US"/>
               <a:t>Click to edit Master text styles</a:t>
             </a:r>
           </a:p>
           <a:p>
             <a:pPr lvl="1"/>
             <a:r>
-              <a:rPr lang="en-US" smtClean="0"/>
+              <a:rPr lang="en-US"/>
               <a:t>Second level</a:t>
             </a:r>
           </a:p>
           <a:p>
             <a:pPr lvl="2"/>
             <a:r>
-              <a:rPr lang="en-US" smtClean="0"/>
+              <a:rPr lang="en-US"/>
               <a:t>Third level</a:t>
             </a:r>
           </a:p>
           <a:p>
             <a:pPr lvl="3"/>
             <a:r>
-              <a:rPr lang="en-US" smtClean="0"/>
+              <a:rPr lang="en-US"/>
               <a:t>Fourth level</a:t>
             </a:r>
           </a:p>
           <a:p>
             <a:pPr lvl="4"/>
             <a:r>
-              <a:rPr lang="en-US" smtClean="0"/>
+              <a:rPr lang="en-US"/>
               <a:t>Fifth level</a:t>
             </a:r>
-            <a:endParaRPr lang="en-US"/>
           </a:p>
         </p:txBody>
       </p:sp>
@@ -638,7 +648,7 @@
           <a:p>
             <a:fld id="{6761E3C2-9BEC-E04E-909B-4B2F00AFE974}" type="datetimeFigureOut">
               <a:rPr lang="en-US" smtClean="0"/>
-              <a:t>3/29/21</a:t>
+              <a:t>2/23/22</a:t>
             </a:fld>
             <a:endParaRPr lang="en-US"/>
           </a:p>
@@ -732,10 +742,9 @@
           <a:lstStyle/>
           <a:p>
             <a:r>
-              <a:rPr lang="en-US" smtClean="0"/>
+              <a:rPr lang="en-US"/>
               <a:t>Click to edit Master title style</a:t>
             </a:r>
-            <a:endParaRPr lang="en-US"/>
           </a:p>
         </p:txBody>
       </p:sp>
@@ -756,38 +765,37 @@
           <a:p>
             <a:pPr lvl="0"/>
             <a:r>
-              <a:rPr lang="en-US" smtClean="0"/>
+              <a:rPr lang="en-US"/>
               <a:t>Click to edit Master text styles</a:t>
             </a:r>
           </a:p>
           <a:p>
             <a:pPr lvl="1"/>
             <a:r>
-              <a:rPr lang="en-US" smtClean="0"/>
+              <a:rPr lang="en-US"/>
               <a:t>Second level</a:t>
             </a:r>
           </a:p>
           <a:p>
             <a:pPr lvl="2"/>
             <a:r>
-              <a:rPr lang="en-US" smtClean="0"/>
+              <a:rPr lang="en-US"/>
               <a:t>Third level</a:t>
             </a:r>
           </a:p>
           <a:p>
             <a:pPr lvl="3"/>
             <a:r>
-              <a:rPr lang="en-US" smtClean="0"/>
+              <a:rPr lang="en-US"/>
               <a:t>Fourth level</a:t>
             </a:r>
           </a:p>
           <a:p>
             <a:pPr lvl="4"/>
             <a:r>
-              <a:rPr lang="en-US" smtClean="0"/>
+              <a:rPr lang="en-US"/>
               <a:t>Fifth level</a:t>
             </a:r>
-            <a:endParaRPr lang="en-US"/>
           </a:p>
         </p:txBody>
       </p:sp>
@@ -808,7 +816,7 @@
           <a:p>
             <a:fld id="{6761E3C2-9BEC-E04E-909B-4B2F00AFE974}" type="datetimeFigureOut">
               <a:rPr lang="en-US" smtClean="0"/>
-              <a:t>3/29/21</a:t>
+              <a:t>2/23/22</a:t>
             </a:fld>
             <a:endParaRPr lang="en-US"/>
           </a:p>
@@ -911,10 +919,9 @@
           </a:lstStyle>
           <a:p>
             <a:r>
-              <a:rPr lang="en-US" smtClean="0"/>
+              <a:rPr lang="en-US"/>
               <a:t>Click to edit Master title style</a:t>
             </a:r>
-            <a:endParaRPr lang="en-US"/>
           </a:p>
         </p:txBody>
       </p:sp>
@@ -1031,7 +1038,7 @@
           <a:p>
             <a:pPr lvl="0"/>
             <a:r>
-              <a:rPr lang="en-US" smtClean="0"/>
+              <a:rPr lang="en-US"/>
               <a:t>Click to edit Master text styles</a:t>
             </a:r>
           </a:p>
@@ -1054,7 +1061,7 @@
           <a:p>
             <a:fld id="{6761E3C2-9BEC-E04E-909B-4B2F00AFE974}" type="datetimeFigureOut">
               <a:rPr lang="en-US" smtClean="0"/>
-              <a:t>3/29/21</a:t>
+              <a:t>2/23/22</a:t>
             </a:fld>
             <a:endParaRPr lang="en-US"/>
           </a:p>
@@ -1148,10 +1155,9 @@
           <a:lstStyle/>
           <a:p>
             <a:r>
-              <a:rPr lang="en-US" smtClean="0"/>
+              <a:rPr lang="en-US"/>
               <a:t>Click to edit Master title style</a:t>
             </a:r>
-            <a:endParaRPr lang="en-US"/>
           </a:p>
         </p:txBody>
       </p:sp>
@@ -1205,38 +1211,37 @@
           <a:p>
             <a:pPr lvl="0"/>
             <a:r>
-              <a:rPr lang="en-US" smtClean="0"/>
+              <a:rPr lang="en-US"/>
               <a:t>Click to edit Master text styles</a:t>
             </a:r>
           </a:p>
           <a:p>
             <a:pPr lvl="1"/>
             <a:r>
-              <a:rPr lang="en-US" smtClean="0"/>
+              <a:rPr lang="en-US"/>
               <a:t>Second level</a:t>
             </a:r>
           </a:p>
           <a:p>
             <a:pPr lvl="2"/>
             <a:r>
-              <a:rPr lang="en-US" smtClean="0"/>
+              <a:rPr lang="en-US"/>
               <a:t>Third level</a:t>
             </a:r>
           </a:p>
           <a:p>
             <a:pPr lvl="3"/>
             <a:r>
-              <a:rPr lang="en-US" smtClean="0"/>
+              <a:rPr lang="en-US"/>
               <a:t>Fourth level</a:t>
             </a:r>
           </a:p>
           <a:p>
             <a:pPr lvl="4"/>
             <a:r>
-              <a:rPr lang="en-US" smtClean="0"/>
+              <a:rPr lang="en-US"/>
               <a:t>Fifth level</a:t>
             </a:r>
-            <a:endParaRPr lang="en-US"/>
           </a:p>
         </p:txBody>
       </p:sp>
@@ -1290,38 +1295,37 @@
           <a:p>
             <a:pPr lvl="0"/>
             <a:r>
-              <a:rPr lang="en-US" smtClean="0"/>
+              <a:rPr lang="en-US"/>
               <a:t>Click to edit Master text styles</a:t>
             </a:r>
           </a:p>
           <a:p>
             <a:pPr lvl="1"/>
             <a:r>
-              <a:rPr lang="en-US" smtClean="0"/>
+              <a:rPr lang="en-US"/>
               <a:t>Second level</a:t>
             </a:r>
           </a:p>
           <a:p>
             <a:pPr lvl="2"/>
             <a:r>
-              <a:rPr lang="en-US" smtClean="0"/>
+              <a:rPr lang="en-US"/>
               <a:t>Third level</a:t>
             </a:r>
           </a:p>
           <a:p>
             <a:pPr lvl="3"/>
             <a:r>
-              <a:rPr lang="en-US" smtClean="0"/>
+              <a:rPr lang="en-US"/>
               <a:t>Fourth level</a:t>
             </a:r>
           </a:p>
           <a:p>
             <a:pPr lvl="4"/>
             <a:r>
-              <a:rPr lang="en-US" smtClean="0"/>
+              <a:rPr lang="en-US"/>
               <a:t>Fifth level</a:t>
             </a:r>
-            <a:endParaRPr lang="en-US"/>
           </a:p>
         </p:txBody>
       </p:sp>
@@ -1342,7 +1346,7 @@
           <a:p>
             <a:fld id="{6761E3C2-9BEC-E04E-909B-4B2F00AFE974}" type="datetimeFigureOut">
               <a:rPr lang="en-US" smtClean="0"/>
-              <a:t>3/29/21</a:t>
+              <a:t>2/23/22</a:t>
             </a:fld>
             <a:endParaRPr lang="en-US"/>
           </a:p>
@@ -1440,10 +1444,9 @@
           </a:lstStyle>
           <a:p>
             <a:r>
-              <a:rPr lang="en-US" smtClean="0"/>
+              <a:rPr lang="en-US"/>
               <a:t>Click to edit Master title style</a:t>
             </a:r>
-            <a:endParaRPr lang="en-US"/>
           </a:p>
         </p:txBody>
       </p:sp>
@@ -1506,7 +1509,7 @@
           <a:p>
             <a:pPr lvl="0"/>
             <a:r>
-              <a:rPr lang="en-US" smtClean="0"/>
+              <a:rPr lang="en-US"/>
               <a:t>Click to edit Master text styles</a:t>
             </a:r>
           </a:p>
@@ -1562,38 +1565,37 @@
           <a:p>
             <a:pPr lvl="0"/>
             <a:r>
-              <a:rPr lang="en-US" smtClean="0"/>
+              <a:rPr lang="en-US"/>
               <a:t>Click to edit Master text styles</a:t>
             </a:r>
           </a:p>
           <a:p>
             <a:pPr lvl="1"/>
             <a:r>
-              <a:rPr lang="en-US" smtClean="0"/>
+              <a:rPr lang="en-US"/>
               <a:t>Second level</a:t>
             </a:r>
           </a:p>
           <a:p>
             <a:pPr lvl="2"/>
             <a:r>
-              <a:rPr lang="en-US" smtClean="0"/>
+              <a:rPr lang="en-US"/>
               <a:t>Third level</a:t>
             </a:r>
           </a:p>
           <a:p>
             <a:pPr lvl="3"/>
             <a:r>
-              <a:rPr lang="en-US" smtClean="0"/>
+              <a:rPr lang="en-US"/>
               <a:t>Fourth level</a:t>
             </a:r>
           </a:p>
           <a:p>
             <a:pPr lvl="4"/>
             <a:r>
-              <a:rPr lang="en-US" smtClean="0"/>
+              <a:rPr lang="en-US"/>
               <a:t>Fifth level</a:t>
             </a:r>
-            <a:endParaRPr lang="en-US"/>
           </a:p>
         </p:txBody>
       </p:sp>
@@ -1656,7 +1658,7 @@
           <a:p>
             <a:pPr lvl="0"/>
             <a:r>
-              <a:rPr lang="en-US" smtClean="0"/>
+              <a:rPr lang="en-US"/>
               <a:t>Click to edit Master text styles</a:t>
             </a:r>
           </a:p>
@@ -1712,38 +1714,37 @@
           <a:p>
             <a:pPr lvl="0"/>
             <a:r>
-              <a:rPr lang="en-US" smtClean="0"/>
+              <a:rPr lang="en-US"/>
               <a:t>Click to edit Master text styles</a:t>
             </a:r>
           </a:p>
           <a:p>
             <a:pPr lvl="1"/>
             <a:r>
-              <a:rPr lang="en-US" smtClean="0"/>
+              <a:rPr lang="en-US"/>
               <a:t>Second level</a:t>
             </a:r>
           </a:p>
           <a:p>
             <a:pPr lvl="2"/>
             <a:r>
-              <a:rPr lang="en-US" smtClean="0"/>
+              <a:rPr lang="en-US"/>
               <a:t>Third level</a:t>
             </a:r>
           </a:p>
           <a:p>
             <a:pPr lvl="3"/>
             <a:r>
-              <a:rPr lang="en-US" smtClean="0"/>
+              <a:rPr lang="en-US"/>
               <a:t>Fourth level</a:t>
             </a:r>
           </a:p>
           <a:p>
             <a:pPr lvl="4"/>
             <a:r>
-              <a:rPr lang="en-US" smtClean="0"/>
+              <a:rPr lang="en-US"/>
               <a:t>Fifth level</a:t>
             </a:r>
-            <a:endParaRPr lang="en-US"/>
           </a:p>
         </p:txBody>
       </p:sp>
@@ -1764,7 +1765,7 @@
           <a:p>
             <a:fld id="{6761E3C2-9BEC-E04E-909B-4B2F00AFE974}" type="datetimeFigureOut">
               <a:rPr lang="en-US" smtClean="0"/>
-              <a:t>3/29/21</a:t>
+              <a:t>2/23/22</a:t>
             </a:fld>
             <a:endParaRPr lang="en-US"/>
           </a:p>
@@ -1858,10 +1859,9 @@
           <a:lstStyle/>
           <a:p>
             <a:r>
-              <a:rPr lang="en-US" smtClean="0"/>
+              <a:rPr lang="en-US"/>
               <a:t>Click to edit Master title style</a:t>
             </a:r>
-            <a:endParaRPr lang="en-US"/>
           </a:p>
         </p:txBody>
       </p:sp>
@@ -1882,7 +1882,7 @@
           <a:p>
             <a:fld id="{6761E3C2-9BEC-E04E-909B-4B2F00AFE974}" type="datetimeFigureOut">
               <a:rPr lang="en-US" smtClean="0"/>
-              <a:t>3/29/21</a:t>
+              <a:t>2/23/22</a:t>
             </a:fld>
             <a:endParaRPr lang="en-US"/>
           </a:p>
@@ -1977,7 +1977,7 @@
           <a:p>
             <a:fld id="{6761E3C2-9BEC-E04E-909B-4B2F00AFE974}" type="datetimeFigureOut">
               <a:rPr lang="en-US" smtClean="0"/>
-              <a:t>3/29/21</a:t>
+              <a:t>2/23/22</a:t>
             </a:fld>
             <a:endParaRPr lang="en-US"/>
           </a:p>
@@ -2080,10 +2080,9 @@
           </a:lstStyle>
           <a:p>
             <a:r>
-              <a:rPr lang="en-US" smtClean="0"/>
+              <a:rPr lang="en-US"/>
               <a:t>Click to edit Master title style</a:t>
             </a:r>
-            <a:endParaRPr lang="en-US"/>
           </a:p>
         </p:txBody>
       </p:sp>
@@ -2137,38 +2136,37 @@
           <a:p>
             <a:pPr lvl="0"/>
             <a:r>
-              <a:rPr lang="en-US" smtClean="0"/>
+              <a:rPr lang="en-US"/>
               <a:t>Click to edit Master text styles</a:t>
             </a:r>
           </a:p>
           <a:p>
             <a:pPr lvl="1"/>
             <a:r>
-              <a:rPr lang="en-US" smtClean="0"/>
+              <a:rPr lang="en-US"/>
               <a:t>Second level</a:t>
             </a:r>
           </a:p>
           <a:p>
             <a:pPr lvl="2"/>
             <a:r>
-              <a:rPr lang="en-US" smtClean="0"/>
+              <a:rPr lang="en-US"/>
               <a:t>Third level</a:t>
             </a:r>
           </a:p>
           <a:p>
             <a:pPr lvl="3"/>
             <a:r>
-              <a:rPr lang="en-US" smtClean="0"/>
+              <a:rPr lang="en-US"/>
               <a:t>Fourth level</a:t>
             </a:r>
           </a:p>
           <a:p>
             <a:pPr lvl="4"/>
             <a:r>
-              <a:rPr lang="en-US" smtClean="0"/>
+              <a:rPr lang="en-US"/>
               <a:t>Fifth level</a:t>
             </a:r>
-            <a:endParaRPr lang="en-US"/>
           </a:p>
         </p:txBody>
       </p:sp>
@@ -2231,7 +2229,7 @@
           <a:p>
             <a:pPr lvl="0"/>
             <a:r>
-              <a:rPr lang="en-US" smtClean="0"/>
+              <a:rPr lang="en-US"/>
               <a:t>Click to edit Master text styles</a:t>
             </a:r>
           </a:p>
@@ -2254,7 +2252,7 @@
           <a:p>
             <a:fld id="{6761E3C2-9BEC-E04E-909B-4B2F00AFE974}" type="datetimeFigureOut">
               <a:rPr lang="en-US" smtClean="0"/>
-              <a:t>3/29/21</a:t>
+              <a:t>2/23/22</a:t>
             </a:fld>
             <a:endParaRPr lang="en-US"/>
           </a:p>
@@ -2357,10 +2355,9 @@
           </a:lstStyle>
           <a:p>
             <a:r>
-              <a:rPr lang="en-US" smtClean="0"/>
+              <a:rPr lang="en-US"/>
               <a:t>Click to edit Master title style</a:t>
             </a:r>
-            <a:endParaRPr lang="en-US"/>
           </a:p>
         </p:txBody>
       </p:sp>
@@ -2484,7 +2481,7 @@
           <a:p>
             <a:pPr lvl="0"/>
             <a:r>
-              <a:rPr lang="en-US" smtClean="0"/>
+              <a:rPr lang="en-US"/>
               <a:t>Click to edit Master text styles</a:t>
             </a:r>
           </a:p>
@@ -2507,7 +2504,7 @@
           <a:p>
             <a:fld id="{6761E3C2-9BEC-E04E-909B-4B2F00AFE974}" type="datetimeFigureOut">
               <a:rPr lang="en-US" smtClean="0"/>
-              <a:t>3/29/21</a:t>
+              <a:t>2/23/22</a:t>
             </a:fld>
             <a:endParaRPr lang="en-US"/>
           </a:p>
@@ -2616,10 +2613,9 @@
           <a:lstStyle/>
           <a:p>
             <a:r>
-              <a:rPr lang="en-US" smtClean="0"/>
+              <a:rPr lang="en-US"/>
               <a:t>Click to edit Master title style</a:t>
             </a:r>
-            <a:endParaRPr lang="en-US"/>
           </a:p>
         </p:txBody>
       </p:sp>
@@ -2650,38 +2646,37 @@
           <a:p>
             <a:pPr lvl="0"/>
             <a:r>
-              <a:rPr lang="en-US" smtClean="0"/>
+              <a:rPr lang="en-US"/>
               <a:t>Click to edit Master text styles</a:t>
             </a:r>
           </a:p>
           <a:p>
             <a:pPr lvl="1"/>
             <a:r>
-              <a:rPr lang="en-US" smtClean="0"/>
+              <a:rPr lang="en-US"/>
               <a:t>Second level</a:t>
             </a:r>
           </a:p>
           <a:p>
             <a:pPr lvl="2"/>
             <a:r>
-              <a:rPr lang="en-US" smtClean="0"/>
+              <a:rPr lang="en-US"/>
               <a:t>Third level</a:t>
             </a:r>
           </a:p>
           <a:p>
             <a:pPr lvl="3"/>
             <a:r>
-              <a:rPr lang="en-US" smtClean="0"/>
+              <a:rPr lang="en-US"/>
               <a:t>Fourth level</a:t>
             </a:r>
           </a:p>
           <a:p>
             <a:pPr lvl="4"/>
             <a:r>
-              <a:rPr lang="en-US" smtClean="0"/>
+              <a:rPr lang="en-US"/>
               <a:t>Fifth level</a:t>
             </a:r>
-            <a:endParaRPr lang="en-US"/>
           </a:p>
         </p:txBody>
       </p:sp>
@@ -2720,7 +2715,7 @@
           <a:p>
             <a:fld id="{6761E3C2-9BEC-E04E-909B-4B2F00AFE974}" type="datetimeFigureOut">
               <a:rPr lang="en-US" smtClean="0"/>
-              <a:t>3/29/21</a:t>
+              <a:t>2/23/22</a:t>
             </a:fld>
             <a:endParaRPr lang="en-US"/>
           </a:p>
@@ -3118,10 +3113,9 @@
           <a:lstStyle/>
           <a:p>
             <a:r>
-              <a:rPr lang="en-US" b="1" dirty="0" smtClean="0"/>
+              <a:rPr lang="en-US" b="1" dirty="0"/>
               <a:t>Koa Plantation (KP)</a:t>
             </a:r>
-            <a:endParaRPr lang="en-US" b="1" dirty="0"/>
           </a:p>
         </p:txBody>
       </p:sp>
@@ -3148,10 +3142,9 @@
           <a:lstStyle/>
           <a:p>
             <a:r>
-              <a:rPr lang="en-US" b="1" dirty="0" smtClean="0"/>
+              <a:rPr lang="en-US" b="1" dirty="0"/>
               <a:t>Remnant Forest (RK)</a:t>
             </a:r>
-            <a:endParaRPr lang="en-US" b="1" dirty="0"/>
           </a:p>
         </p:txBody>
       </p:sp>
@@ -3164,7 +3157,7 @@
         <p:spPr>
           <a:xfrm>
             <a:off x="-8864" y="57310"/>
-            <a:ext cx="442436" cy="369332"/>
+            <a:ext cx="324128" cy="369332"/>
           </a:xfrm>
           <a:prstGeom prst="rect">
             <a:avLst/>
@@ -3178,10 +3171,9 @@
           <a:lstStyle/>
           <a:p>
             <a:r>
-              <a:rPr lang="en-US" b="1" dirty="0" smtClean="0"/>
-              <a:t>(a)</a:t>
-            </a:r>
-            <a:endParaRPr lang="en-US" b="1" dirty="0"/>
+              <a:rPr lang="en-US" b="1" dirty="0"/>
+              <a:t>A</a:t>
+            </a:r>
           </a:p>
         </p:txBody>
       </p:sp>
@@ -3193,8 +3185,8 @@
         </p:nvSpPr>
         <p:spPr>
           <a:xfrm>
-            <a:off x="659599" y="2775808"/>
-            <a:ext cx="452355" cy="369332"/>
+            <a:off x="698236" y="2775808"/>
+            <a:ext cx="314510" cy="369332"/>
           </a:xfrm>
           <a:prstGeom prst="rect">
             <a:avLst/>
@@ -3208,10 +3200,9 @@
           <a:lstStyle/>
           <a:p>
             <a:r>
-              <a:rPr lang="en-US" b="1" dirty="0" smtClean="0"/>
-              <a:t>(b)</a:t>
-            </a:r>
-            <a:endParaRPr lang="en-US" b="1" dirty="0"/>
+              <a:rPr lang="en-US" b="1" dirty="0"/>
+              <a:t>B</a:t>
+            </a:r>
           </a:p>
         </p:txBody>
       </p:sp>
@@ -3223,8 +3214,8 @@
         </p:nvSpPr>
         <p:spPr>
           <a:xfrm>
-            <a:off x="4762695" y="2797093"/>
-            <a:ext cx="452355" cy="369332"/>
+            <a:off x="4827090" y="2797093"/>
+            <a:ext cx="330540" cy="369332"/>
           </a:xfrm>
           <a:prstGeom prst="rect">
             <a:avLst/>
@@ -3238,10 +3229,9 @@
           <a:lstStyle/>
           <a:p>
             <a:r>
-              <a:rPr lang="en-US" b="1" dirty="0" smtClean="0"/>
-              <a:t>(d)</a:t>
-            </a:r>
-            <a:endParaRPr lang="en-US" b="1" dirty="0"/>
+              <a:rPr lang="en-US" b="1" dirty="0"/>
+              <a:t>D</a:t>
+            </a:r>
           </a:p>
         </p:txBody>
       </p:sp>
@@ -3268,35 +3258,35 @@
           <a:lstStyle/>
           <a:p>
             <a:r>
-              <a:rPr lang="el-GR" sz="1400" dirty="0" smtClean="0">
+              <a:rPr lang="el-GR" sz="1400" dirty="0">
                 <a:latin typeface="Arial"/>
                 <a:cs typeface="Arial"/>
               </a:rPr>
               <a:t>δ</a:t>
             </a:r>
             <a:r>
-              <a:rPr lang="el-GR" sz="1400" baseline="30000" dirty="0" smtClean="0">
+              <a:rPr lang="el-GR" sz="1400" baseline="30000" dirty="0">
                 <a:latin typeface="Arial"/>
                 <a:cs typeface="Arial"/>
               </a:rPr>
               <a:t>13</a:t>
             </a:r>
             <a:r>
-              <a:rPr lang="el-GR" sz="1400" dirty="0" smtClean="0">
+              <a:rPr lang="el-GR" sz="1400" dirty="0">
                 <a:latin typeface="Arial"/>
                 <a:cs typeface="Arial"/>
               </a:rPr>
               <a:t>C </a:t>
             </a:r>
             <a:r>
-              <a:rPr lang="en-US" sz="1400" dirty="0" smtClean="0">
+              <a:rPr lang="en-US" sz="1400" dirty="0">
                 <a:latin typeface="Arial"/>
                 <a:cs typeface="Arial"/>
               </a:rPr>
               <a:t> </a:t>
             </a:r>
             <a:r>
-              <a:rPr lang="el-GR" sz="1400" dirty="0" smtClean="0">
+              <a:rPr lang="el-GR" sz="1400" dirty="0">
                 <a:latin typeface="Arial"/>
                 <a:cs typeface="Arial"/>
               </a:rPr>
@@ -3346,16 +3336,12 @@
             <a:lstStyle/>
             <a:p>
               <a:r>
-                <a:rPr lang="en-US" sz="1200" dirty="0" smtClean="0">
+                <a:rPr lang="en-US" sz="1200" dirty="0">
                   <a:latin typeface="Arial"/>
                   <a:cs typeface="Arial"/>
                 </a:rPr>
                 <a:t>5 m</a:t>
               </a:r>
-              <a:endParaRPr lang="en-US" sz="1200" dirty="0">
-                <a:latin typeface="Arial"/>
-                <a:cs typeface="Arial"/>
-              </a:endParaRPr>
             </a:p>
           </p:txBody>
         </p:sp>
@@ -3465,7 +3451,7 @@
         <p:spPr>
           <a:xfrm>
             <a:off x="4427125" y="6510"/>
-            <a:ext cx="425079" cy="369332"/>
+            <a:ext cx="359394" cy="369332"/>
           </a:xfrm>
           <a:prstGeom prst="rect">
             <a:avLst/>
@@ -3479,8 +3465,8 @@
           <a:lstStyle/>
           <a:p>
             <a:r>
-              <a:rPr lang="de-DE" b="1" dirty="0" smtClean="0"/>
-              <a:t>(c) </a:t>
+              <a:rPr lang="de-DE" b="1" dirty="0"/>
+              <a:t>C </a:t>
             </a:r>
             <a:endParaRPr lang="en-US" b="1" dirty="0"/>
           </a:p>
@@ -3508,16 +3494,12 @@
           <a:lstStyle/>
           <a:p>
             <a:r>
-              <a:rPr lang="en-US" sz="1400" dirty="0" smtClean="0">
+              <a:rPr lang="en-US" sz="1400" dirty="0">
                 <a:latin typeface="Arial"/>
                 <a:cs typeface="Arial"/>
               </a:rPr>
               <a:t>soil samples</a:t>
             </a:r>
-            <a:endParaRPr lang="en-US" sz="1400" dirty="0">
-              <a:latin typeface="Arial"/>
-              <a:cs typeface="Arial"/>
-            </a:endParaRPr>
           </a:p>
         </p:txBody>
       </p:sp>
@@ -3574,8 +3556,8 @@
         </p:nvSpPr>
         <p:spPr>
           <a:xfrm>
-            <a:off x="1398653" y="-62141"/>
-            <a:ext cx="1912315" cy="369332"/>
+            <a:off x="1398653" y="28012"/>
+            <a:ext cx="2206181" cy="369332"/>
           </a:xfrm>
           <a:prstGeom prst="rect">
             <a:avLst/>
@@ -3589,11 +3571,11 @@
           <a:lstStyle/>
           <a:p>
             <a:r>
-              <a:rPr lang="en-US" i="1" dirty="0" smtClean="0"/>
-              <a:t>Nitrogen </a:t>
-            </a:r>
-            <a:r>
-              <a:rPr lang="en-US" i="1" dirty="0" err="1" smtClean="0"/>
+              <a:rPr lang="en-US" i="1" dirty="0"/>
+              <a:t>Soil nitrogen </a:t>
+            </a:r>
+            <a:r>
+              <a:rPr lang="en-US" i="1" dirty="0" err="1"/>
               <a:t>isoscape</a:t>
             </a:r>
             <a:endParaRPr lang="en-US" i="1" dirty="0"/>
@@ -3608,8 +3590,8 @@
         </p:nvSpPr>
         <p:spPr>
           <a:xfrm>
-            <a:off x="5647637" y="-57497"/>
-            <a:ext cx="1762296" cy="369332"/>
+            <a:off x="5647637" y="32656"/>
+            <a:ext cx="2060436" cy="369332"/>
           </a:xfrm>
           <a:prstGeom prst="rect">
             <a:avLst/>
@@ -3623,11 +3605,11 @@
           <a:lstStyle/>
           <a:p>
             <a:r>
-              <a:rPr lang="en-US" i="1" dirty="0" smtClean="0"/>
-              <a:t>Carbon </a:t>
-            </a:r>
-            <a:r>
-              <a:rPr lang="en-US" i="1" dirty="0" err="1" smtClean="0"/>
+              <a:rPr lang="en-US" i="1" dirty="0"/>
+              <a:t>Soil carbon </a:t>
+            </a:r>
+            <a:r>
+              <a:rPr lang="en-US" i="1" dirty="0" err="1"/>
               <a:t>isoscape</a:t>
             </a:r>
             <a:endParaRPr lang="en-US" i="1" dirty="0"/>
@@ -3657,21 +3639,21 @@
           <a:lstStyle/>
           <a:p>
             <a:r>
-              <a:rPr lang="el-GR" sz="1400" dirty="0" smtClean="0">
+              <a:rPr lang="el-GR" sz="1400" dirty="0">
                 <a:latin typeface="Arial"/>
                 <a:cs typeface="Arial"/>
               </a:rPr>
               <a:t>δ</a:t>
             </a:r>
             <a:r>
-              <a:rPr lang="el-GR" sz="1400" baseline="30000" dirty="0" smtClean="0">
+              <a:rPr lang="el-GR" sz="1400" baseline="30000" dirty="0">
                 <a:latin typeface="Arial"/>
                 <a:cs typeface="Arial"/>
               </a:rPr>
               <a:t>1</a:t>
             </a:r>
             <a:r>
-              <a:rPr lang="en-US" sz="1400" baseline="30000" dirty="0" smtClean="0">
+              <a:rPr lang="en-US" sz="1400" baseline="30000" dirty="0">
                 <a:latin typeface="Arial"/>
                 <a:cs typeface="Arial"/>
               </a:rPr>
@@ -3685,21 +3667,21 @@
               <a:t>N</a:t>
             </a:r>
             <a:r>
-              <a:rPr lang="el-GR" sz="1400" dirty="0" smtClean="0">
+              <a:rPr lang="el-GR" sz="1400" dirty="0">
                 <a:latin typeface="Arial"/>
                 <a:cs typeface="Arial"/>
               </a:rPr>
               <a:t> </a:t>
             </a:r>
             <a:r>
-              <a:rPr lang="en-US" sz="1400" dirty="0" smtClean="0">
+              <a:rPr lang="en-US" sz="1400" dirty="0">
                 <a:latin typeface="Arial"/>
                 <a:cs typeface="Arial"/>
               </a:rPr>
               <a:t> </a:t>
             </a:r>
             <a:r>
-              <a:rPr lang="el-GR" sz="1400" dirty="0" smtClean="0">
+              <a:rPr lang="el-GR" sz="1400" dirty="0">
                 <a:latin typeface="Arial"/>
                 <a:cs typeface="Arial"/>
               </a:rPr>
@@ -3893,16 +3875,12 @@
             <a:lstStyle/>
             <a:p>
               <a:r>
-                <a:rPr lang="en-US" sz="1200" dirty="0" smtClean="0">
+                <a:rPr lang="en-US" sz="1200" dirty="0">
                   <a:latin typeface="Arial"/>
                   <a:cs typeface="Arial"/>
                 </a:rPr>
                 <a:t>N</a:t>
               </a:r>
-              <a:endParaRPr lang="en-US" sz="1200" dirty="0">
-                <a:latin typeface="Arial"/>
-                <a:cs typeface="Arial"/>
-              </a:endParaRPr>
             </a:p>
           </p:txBody>
         </p:sp>

--- a/figures/pau/soil isoscape combined.pptx
+++ b/figures/pau/soil isoscape combined.pptx
@@ -7,14 +7,14 @@
   <p:sldIdLst>
     <p:sldId id="257" r:id="rId2"/>
   </p:sldIdLst>
-  <p:sldSz cx="9144000" cy="6858000" type="screen4x3"/>
+  <p:sldSz cx="7772400" cy="6400800"/>
   <p:notesSz cx="6858000" cy="9144000"/>
   <p:defaultTextStyle>
     <a:defPPr>
       <a:defRPr lang="en-US"/>
     </a:defPPr>
-    <a:lvl1pPr marL="0" algn="l" defTabSz="457200" rtl="0" eaLnBrk="1" latinLnBrk="0" hangingPunct="1">
-      <a:defRPr sz="1800" kern="1200">
+    <a:lvl1pPr marL="0" algn="l" defTabSz="417972" rtl="0" eaLnBrk="1" latinLnBrk="0" hangingPunct="1">
+      <a:defRPr sz="1646" kern="1200">
         <a:solidFill>
           <a:schemeClr val="tx1"/>
         </a:solidFill>
@@ -23,8 +23,8 @@
         <a:cs typeface="+mn-cs"/>
       </a:defRPr>
     </a:lvl1pPr>
-    <a:lvl2pPr marL="457200" algn="l" defTabSz="457200" rtl="0" eaLnBrk="1" latinLnBrk="0" hangingPunct="1">
-      <a:defRPr sz="1800" kern="1200">
+    <a:lvl2pPr marL="417972" algn="l" defTabSz="417972" rtl="0" eaLnBrk="1" latinLnBrk="0" hangingPunct="1">
+      <a:defRPr sz="1646" kern="1200">
         <a:solidFill>
           <a:schemeClr val="tx1"/>
         </a:solidFill>
@@ -33,8 +33,8 @@
         <a:cs typeface="+mn-cs"/>
       </a:defRPr>
     </a:lvl2pPr>
-    <a:lvl3pPr marL="914400" algn="l" defTabSz="457200" rtl="0" eaLnBrk="1" latinLnBrk="0" hangingPunct="1">
-      <a:defRPr sz="1800" kern="1200">
+    <a:lvl3pPr marL="835944" algn="l" defTabSz="417972" rtl="0" eaLnBrk="1" latinLnBrk="0" hangingPunct="1">
+      <a:defRPr sz="1646" kern="1200">
         <a:solidFill>
           <a:schemeClr val="tx1"/>
         </a:solidFill>
@@ -43,8 +43,8 @@
         <a:cs typeface="+mn-cs"/>
       </a:defRPr>
     </a:lvl3pPr>
-    <a:lvl4pPr marL="1371600" algn="l" defTabSz="457200" rtl="0" eaLnBrk="1" latinLnBrk="0" hangingPunct="1">
-      <a:defRPr sz="1800" kern="1200">
+    <a:lvl4pPr marL="1253917" algn="l" defTabSz="417972" rtl="0" eaLnBrk="1" latinLnBrk="0" hangingPunct="1">
+      <a:defRPr sz="1646" kern="1200">
         <a:solidFill>
           <a:schemeClr val="tx1"/>
         </a:solidFill>
@@ -53,8 +53,8 @@
         <a:cs typeface="+mn-cs"/>
       </a:defRPr>
     </a:lvl4pPr>
-    <a:lvl5pPr marL="1828800" algn="l" defTabSz="457200" rtl="0" eaLnBrk="1" latinLnBrk="0" hangingPunct="1">
-      <a:defRPr sz="1800" kern="1200">
+    <a:lvl5pPr marL="1671889" algn="l" defTabSz="417972" rtl="0" eaLnBrk="1" latinLnBrk="0" hangingPunct="1">
+      <a:defRPr sz="1646" kern="1200">
         <a:solidFill>
           <a:schemeClr val="tx1"/>
         </a:solidFill>
@@ -63,8 +63,8 @@
         <a:cs typeface="+mn-cs"/>
       </a:defRPr>
     </a:lvl5pPr>
-    <a:lvl6pPr marL="2286000" algn="l" defTabSz="457200" rtl="0" eaLnBrk="1" latinLnBrk="0" hangingPunct="1">
-      <a:defRPr sz="1800" kern="1200">
+    <a:lvl6pPr marL="2089861" algn="l" defTabSz="417972" rtl="0" eaLnBrk="1" latinLnBrk="0" hangingPunct="1">
+      <a:defRPr sz="1646" kern="1200">
         <a:solidFill>
           <a:schemeClr val="tx1"/>
         </a:solidFill>
@@ -73,8 +73,8 @@
         <a:cs typeface="+mn-cs"/>
       </a:defRPr>
     </a:lvl6pPr>
-    <a:lvl7pPr marL="2743200" algn="l" defTabSz="457200" rtl="0" eaLnBrk="1" latinLnBrk="0" hangingPunct="1">
-      <a:defRPr sz="1800" kern="1200">
+    <a:lvl7pPr marL="2507833" algn="l" defTabSz="417972" rtl="0" eaLnBrk="1" latinLnBrk="0" hangingPunct="1">
+      <a:defRPr sz="1646" kern="1200">
         <a:solidFill>
           <a:schemeClr val="tx1"/>
         </a:solidFill>
@@ -83,8 +83,8 @@
         <a:cs typeface="+mn-cs"/>
       </a:defRPr>
     </a:lvl7pPr>
-    <a:lvl8pPr marL="3200400" algn="l" defTabSz="457200" rtl="0" eaLnBrk="1" latinLnBrk="0" hangingPunct="1">
-      <a:defRPr sz="1800" kern="1200">
+    <a:lvl8pPr marL="2925806" algn="l" defTabSz="417972" rtl="0" eaLnBrk="1" latinLnBrk="0" hangingPunct="1">
+      <a:defRPr sz="1646" kern="1200">
         <a:solidFill>
           <a:schemeClr val="tx1"/>
         </a:solidFill>
@@ -93,8 +93,8 @@
         <a:cs typeface="+mn-cs"/>
       </a:defRPr>
     </a:lvl8pPr>
-    <a:lvl9pPr marL="3657600" algn="l" defTabSz="457200" rtl="0" eaLnBrk="1" latinLnBrk="0" hangingPunct="1">
-      <a:defRPr sz="1800" kern="1200">
+    <a:lvl9pPr marL="3343778" algn="l" defTabSz="417972" rtl="0" eaLnBrk="1" latinLnBrk="0" hangingPunct="1">
+      <a:defRPr sz="1646" kern="1200">
         <a:solidFill>
           <a:schemeClr val="tx1"/>
         </a:solidFill>
@@ -107,12 +107,12 @@
   <p:extLst>
     <p:ext uri="{EFAFB233-063F-42B5-8137-9DF3F51BA10A}">
       <p15:sldGuideLst xmlns:p15="http://schemas.microsoft.com/office/powerpoint/2012/main">
-        <p15:guide id="1" orient="horz" pos="2160">
+        <p15:guide id="1" orient="horz" pos="2016" userDrawn="1">
           <p15:clr>
             <a:srgbClr val="A4A3A4"/>
           </p15:clr>
         </p15:guide>
-        <p15:guide id="2" pos="2880">
+        <p15:guide id="2" pos="2448" userDrawn="1">
           <p15:clr>
             <a:srgbClr val="A4A3A4"/>
           </p15:clr>
@@ -152,8 +152,8 @@
         </p:nvSpPr>
         <p:spPr>
           <a:xfrm>
-            <a:off x="685800" y="2130425"/>
-            <a:ext cx="7772400" cy="1470025"/>
+            <a:off x="582930" y="1988399"/>
+            <a:ext cx="6606540" cy="1372023"/>
           </a:xfrm>
         </p:spPr>
         <p:txBody>
@@ -179,8 +179,8 @@
         </p:nvSpPr>
         <p:spPr>
           <a:xfrm>
-            <a:off x="1371600" y="3886200"/>
-            <a:ext cx="6400800" cy="1752600"/>
+            <a:off x="1165860" y="3627120"/>
+            <a:ext cx="5440680" cy="1635760"/>
           </a:xfrm>
         </p:spPr>
         <p:txBody>
@@ -302,7 +302,7 @@
           <a:p>
             <a:fld id="{6761E3C2-9BEC-E04E-909B-4B2F00AFE974}" type="datetimeFigureOut">
               <a:rPr lang="en-US" smtClean="0"/>
-              <a:t>2/23/22</a:t>
+              <a:t>7/22/22</a:t>
             </a:fld>
             <a:endParaRPr lang="en-US"/>
           </a:p>
@@ -470,7 +470,7 @@
           <a:p>
             <a:fld id="{6761E3C2-9BEC-E04E-909B-4B2F00AFE974}" type="datetimeFigureOut">
               <a:rPr lang="en-US" smtClean="0"/>
-              <a:t>2/23/22</a:t>
+              <a:t>7/22/22</a:t>
             </a:fld>
             <a:endParaRPr lang="en-US"/>
           </a:p>
@@ -560,8 +560,8 @@
         </p:nvSpPr>
         <p:spPr>
           <a:xfrm>
-            <a:off x="6629400" y="274638"/>
-            <a:ext cx="2057400" cy="5851525"/>
+            <a:off x="5634990" y="256331"/>
+            <a:ext cx="1748790" cy="5461423"/>
           </a:xfrm>
         </p:spPr>
         <p:txBody>
@@ -587,8 +587,8 @@
         </p:nvSpPr>
         <p:spPr>
           <a:xfrm>
-            <a:off x="457200" y="274638"/>
-            <a:ext cx="6019800" cy="5851525"/>
+            <a:off x="388620" y="256331"/>
+            <a:ext cx="5116830" cy="5461423"/>
           </a:xfrm>
         </p:spPr>
         <p:txBody>
@@ -648,7 +648,7 @@
           <a:p>
             <a:fld id="{6761E3C2-9BEC-E04E-909B-4B2F00AFE974}" type="datetimeFigureOut">
               <a:rPr lang="en-US" smtClean="0"/>
-              <a:t>2/23/22</a:t>
+              <a:t>7/22/22</a:t>
             </a:fld>
             <a:endParaRPr lang="en-US"/>
           </a:p>
@@ -816,7 +816,7 @@
           <a:p>
             <a:fld id="{6761E3C2-9BEC-E04E-909B-4B2F00AFE974}" type="datetimeFigureOut">
               <a:rPr lang="en-US" smtClean="0"/>
-              <a:t>2/23/22</a:t>
+              <a:t>7/22/22</a:t>
             </a:fld>
             <a:endParaRPr lang="en-US"/>
           </a:p>
@@ -906,8 +906,8 @@
         </p:nvSpPr>
         <p:spPr>
           <a:xfrm>
-            <a:off x="722313" y="4406900"/>
-            <a:ext cx="7772400" cy="1362075"/>
+            <a:off x="613966" y="4113108"/>
+            <a:ext cx="6606540" cy="1271270"/>
           </a:xfrm>
         </p:spPr>
         <p:txBody>
@@ -937,8 +937,8 @@
         </p:nvSpPr>
         <p:spPr>
           <a:xfrm>
-            <a:off x="722313" y="2906713"/>
-            <a:ext cx="7772400" cy="1500187"/>
+            <a:off x="613966" y="2712932"/>
+            <a:ext cx="6606540" cy="1400176"/>
           </a:xfrm>
         </p:spPr>
         <p:txBody>
@@ -1061,7 +1061,7 @@
           <a:p>
             <a:fld id="{6761E3C2-9BEC-E04E-909B-4B2F00AFE974}" type="datetimeFigureOut">
               <a:rPr lang="en-US" smtClean="0"/>
-              <a:t>2/23/22</a:t>
+              <a:t>7/22/22</a:t>
             </a:fld>
             <a:endParaRPr lang="en-US"/>
           </a:p>
@@ -1173,8 +1173,8 @@
         </p:nvSpPr>
         <p:spPr>
           <a:xfrm>
-            <a:off x="457200" y="1600200"/>
-            <a:ext cx="4038600" cy="4525963"/>
+            <a:off x="388620" y="1493522"/>
+            <a:ext cx="3432810" cy="4224232"/>
           </a:xfrm>
         </p:spPr>
         <p:txBody>
@@ -1257,8 +1257,8 @@
         </p:nvSpPr>
         <p:spPr>
           <a:xfrm>
-            <a:off x="4648200" y="1600200"/>
-            <a:ext cx="4038600" cy="4525963"/>
+            <a:off x="3950970" y="1493522"/>
+            <a:ext cx="3432810" cy="4224232"/>
           </a:xfrm>
         </p:spPr>
         <p:txBody>
@@ -1346,7 +1346,7 @@
           <a:p>
             <a:fld id="{6761E3C2-9BEC-E04E-909B-4B2F00AFE974}" type="datetimeFigureOut">
               <a:rPr lang="en-US" smtClean="0"/>
-              <a:t>2/23/22</a:t>
+              <a:t>7/22/22</a:t>
             </a:fld>
             <a:endParaRPr lang="en-US"/>
           </a:p>
@@ -1462,8 +1462,8 @@
         </p:nvSpPr>
         <p:spPr>
           <a:xfrm>
-            <a:off x="457200" y="1535113"/>
-            <a:ext cx="4040188" cy="639762"/>
+            <a:off x="388622" y="1432773"/>
+            <a:ext cx="3434160" cy="597111"/>
           </a:xfrm>
         </p:spPr>
         <p:txBody>
@@ -1527,8 +1527,8 @@
         </p:nvSpPr>
         <p:spPr>
           <a:xfrm>
-            <a:off x="457200" y="2174875"/>
-            <a:ext cx="4040188" cy="3951288"/>
+            <a:off x="388622" y="2029884"/>
+            <a:ext cx="3434160" cy="3687869"/>
           </a:xfrm>
         </p:spPr>
         <p:txBody>
@@ -1611,8 +1611,8 @@
         </p:nvSpPr>
         <p:spPr>
           <a:xfrm>
-            <a:off x="4645025" y="1535113"/>
-            <a:ext cx="4041775" cy="639762"/>
+            <a:off x="3948272" y="1432773"/>
+            <a:ext cx="3435509" cy="597111"/>
           </a:xfrm>
         </p:spPr>
         <p:txBody>
@@ -1676,8 +1676,8 @@
         </p:nvSpPr>
         <p:spPr>
           <a:xfrm>
-            <a:off x="4645025" y="2174875"/>
-            <a:ext cx="4041775" cy="3951288"/>
+            <a:off x="3948272" y="2029884"/>
+            <a:ext cx="3435509" cy="3687869"/>
           </a:xfrm>
         </p:spPr>
         <p:txBody>
@@ -1765,7 +1765,7 @@
           <a:p>
             <a:fld id="{6761E3C2-9BEC-E04E-909B-4B2F00AFE974}" type="datetimeFigureOut">
               <a:rPr lang="en-US" smtClean="0"/>
-              <a:t>2/23/22</a:t>
+              <a:t>7/22/22</a:t>
             </a:fld>
             <a:endParaRPr lang="en-US"/>
           </a:p>
@@ -1882,7 +1882,7 @@
           <a:p>
             <a:fld id="{6761E3C2-9BEC-E04E-909B-4B2F00AFE974}" type="datetimeFigureOut">
               <a:rPr lang="en-US" smtClean="0"/>
-              <a:t>2/23/22</a:t>
+              <a:t>7/22/22</a:t>
             </a:fld>
             <a:endParaRPr lang="en-US"/>
           </a:p>
@@ -1977,7 +1977,7 @@
           <a:p>
             <a:fld id="{6761E3C2-9BEC-E04E-909B-4B2F00AFE974}" type="datetimeFigureOut">
               <a:rPr lang="en-US" smtClean="0"/>
-              <a:t>2/23/22</a:t>
+              <a:t>7/22/22</a:t>
             </a:fld>
             <a:endParaRPr lang="en-US"/>
           </a:p>
@@ -2067,8 +2067,8 @@
         </p:nvSpPr>
         <p:spPr>
           <a:xfrm>
-            <a:off x="457200" y="273050"/>
-            <a:ext cx="3008313" cy="1162050"/>
+            <a:off x="388620" y="254847"/>
+            <a:ext cx="2557066" cy="1084580"/>
           </a:xfrm>
         </p:spPr>
         <p:txBody>
@@ -2098,8 +2098,8 @@
         </p:nvSpPr>
         <p:spPr>
           <a:xfrm>
-            <a:off x="3575050" y="273050"/>
-            <a:ext cx="5111750" cy="5853113"/>
+            <a:off x="3038795" y="254847"/>
+            <a:ext cx="4344988" cy="5462906"/>
           </a:xfrm>
         </p:spPr>
         <p:txBody>
@@ -2182,8 +2182,8 @@
         </p:nvSpPr>
         <p:spPr>
           <a:xfrm>
-            <a:off x="457200" y="1435100"/>
-            <a:ext cx="3008313" cy="4691063"/>
+            <a:off x="388620" y="1339427"/>
+            <a:ext cx="2557066" cy="4378326"/>
           </a:xfrm>
         </p:spPr>
         <p:txBody>
@@ -2252,7 +2252,7 @@
           <a:p>
             <a:fld id="{6761E3C2-9BEC-E04E-909B-4B2F00AFE974}" type="datetimeFigureOut">
               <a:rPr lang="en-US" smtClean="0"/>
-              <a:t>2/23/22</a:t>
+              <a:t>7/22/22</a:t>
             </a:fld>
             <a:endParaRPr lang="en-US"/>
           </a:p>
@@ -2342,8 +2342,8 @@
         </p:nvSpPr>
         <p:spPr>
           <a:xfrm>
-            <a:off x="1792288" y="4800600"/>
-            <a:ext cx="5486400" cy="566738"/>
+            <a:off x="1523445" y="4480560"/>
+            <a:ext cx="4663440" cy="528956"/>
           </a:xfrm>
         </p:spPr>
         <p:txBody>
@@ -2373,8 +2373,8 @@
         </p:nvSpPr>
         <p:spPr>
           <a:xfrm>
-            <a:off x="1792288" y="612775"/>
-            <a:ext cx="5486400" cy="4114800"/>
+            <a:off x="1523445" y="571923"/>
+            <a:ext cx="4663440" cy="3840480"/>
           </a:xfrm>
         </p:spPr>
         <p:txBody>
@@ -2434,8 +2434,8 @@
         </p:nvSpPr>
         <p:spPr>
           <a:xfrm>
-            <a:off x="1792288" y="5367338"/>
-            <a:ext cx="5486400" cy="804862"/>
+            <a:off x="1523445" y="5009515"/>
+            <a:ext cx="4663440" cy="751206"/>
           </a:xfrm>
         </p:spPr>
         <p:txBody>
@@ -2504,7 +2504,7 @@
           <a:p>
             <a:fld id="{6761E3C2-9BEC-E04E-909B-4B2F00AFE974}" type="datetimeFigureOut">
               <a:rPr lang="en-US" smtClean="0"/>
-              <a:t>2/23/22</a:t>
+              <a:t>7/22/22</a:t>
             </a:fld>
             <a:endParaRPr lang="en-US"/>
           </a:p>
@@ -2599,8 +2599,8 @@
         </p:nvSpPr>
         <p:spPr>
           <a:xfrm>
-            <a:off x="457200" y="274638"/>
-            <a:ext cx="8229600" cy="1143000"/>
+            <a:off x="388620" y="256329"/>
+            <a:ext cx="6995160" cy="1066800"/>
           </a:xfrm>
           <a:prstGeom prst="rect">
             <a:avLst/>
@@ -2631,8 +2631,8 @@
         </p:nvSpPr>
         <p:spPr>
           <a:xfrm>
-            <a:off x="457200" y="1600200"/>
-            <a:ext cx="8229600" cy="4525963"/>
+            <a:off x="388620" y="1493522"/>
+            <a:ext cx="6995160" cy="4224232"/>
           </a:xfrm>
           <a:prstGeom prst="rect">
             <a:avLst/>
@@ -2692,8 +2692,8 @@
         </p:nvSpPr>
         <p:spPr>
           <a:xfrm>
-            <a:off x="457200" y="6356350"/>
-            <a:ext cx="2133600" cy="365125"/>
+            <a:off x="388620" y="5932596"/>
+            <a:ext cx="1813560" cy="340783"/>
           </a:xfrm>
           <a:prstGeom prst="rect">
             <a:avLst/>
@@ -2715,7 +2715,7 @@
           <a:p>
             <a:fld id="{6761E3C2-9BEC-E04E-909B-4B2F00AFE974}" type="datetimeFigureOut">
               <a:rPr lang="en-US" smtClean="0"/>
-              <a:t>2/23/22</a:t>
+              <a:t>7/22/22</a:t>
             </a:fld>
             <a:endParaRPr lang="en-US"/>
           </a:p>
@@ -2733,8 +2733,8 @@
         </p:nvSpPr>
         <p:spPr>
           <a:xfrm>
-            <a:off x="3124200" y="6356350"/>
-            <a:ext cx="2895600" cy="365125"/>
+            <a:off x="2655570" y="5932596"/>
+            <a:ext cx="2461260" cy="340783"/>
           </a:xfrm>
           <a:prstGeom prst="rect">
             <a:avLst/>
@@ -2770,8 +2770,8 @@
         </p:nvSpPr>
         <p:spPr>
           <a:xfrm>
-            <a:off x="6553200" y="6356350"/>
-            <a:ext cx="2133600" cy="365125"/>
+            <a:off x="5570220" y="5932596"/>
+            <a:ext cx="1813560" cy="340783"/>
           </a:xfrm>
           <a:prstGeom prst="rect">
             <a:avLst/>
@@ -3090,16 +3090,80 @@
           <a:chExt cx="0" cy="0"/>
         </a:xfrm>
       </p:grpSpPr>
-      <p:sp>
-        <p:nvSpPr>
-          <p:cNvPr id="12" name="TextBox 11"/>
+      <p:pic>
+        <p:nvPicPr>
+          <p:cNvPr id="77" name="Picture 76" descr="Chart&#10;&#10;Description automatically generated with medium confidence">
+            <a:extLst>
+              <a:ext uri="{FF2B5EF4-FFF2-40B4-BE49-F238E27FC236}">
+                <a16:creationId xmlns:a16="http://schemas.microsoft.com/office/drawing/2014/main" id="{F459BC91-17A5-CA4A-8789-6BB2F95552C1}"/>
+              </a:ext>
+            </a:extLst>
+          </p:cNvPr>
+          <p:cNvPicPr>
+            <a:picLocks noChangeAspect="1"/>
+          </p:cNvPicPr>
+          <p:nvPr/>
+        </p:nvPicPr>
+        <p:blipFill rotWithShape="1">
+          <a:blip r:embed="rId2"/>
+          <a:srcRect l="2642" t="22591" r="51584" b="21271"/>
+          <a:stretch/>
+        </p:blipFill>
+        <p:spPr>
+          <a:xfrm>
+            <a:off x="360331" y="257926"/>
+            <a:ext cx="3590149" cy="2201476"/>
+          </a:xfrm>
+          <a:prstGeom prst="rect">
+            <a:avLst/>
+          </a:prstGeom>
+        </p:spPr>
+      </p:pic>
+      <p:pic>
+        <p:nvPicPr>
+          <p:cNvPr id="78" name="Picture 77" descr="Chart&#10;&#10;Description automatically generated">
+            <a:extLst>
+              <a:ext uri="{FF2B5EF4-FFF2-40B4-BE49-F238E27FC236}">
+                <a16:creationId xmlns:a16="http://schemas.microsoft.com/office/drawing/2014/main" id="{CB29CD08-7966-3D4A-8E86-B89500928F40}"/>
+              </a:ext>
+            </a:extLst>
+          </p:cNvPr>
+          <p:cNvPicPr>
+            <a:picLocks noChangeAspect="1"/>
+          </p:cNvPicPr>
+          <p:nvPr/>
+        </p:nvPicPr>
+        <p:blipFill rotWithShape="1">
+          <a:blip r:embed="rId3"/>
+          <a:srcRect l="2817" t="22411" r="51408" b="20211"/>
+          <a:stretch/>
+        </p:blipFill>
+        <p:spPr>
+          <a:xfrm>
+            <a:off x="4088153" y="255009"/>
+            <a:ext cx="3604919" cy="2259368"/>
+          </a:xfrm>
+          <a:prstGeom prst="rect">
+            <a:avLst/>
+          </a:prstGeom>
+        </p:spPr>
+      </p:pic>
+      <p:sp>
+        <p:nvSpPr>
+          <p:cNvPr id="39" name="TextBox 38">
+            <a:extLst>
+              <a:ext uri="{FF2B5EF4-FFF2-40B4-BE49-F238E27FC236}">
+                <a16:creationId xmlns:a16="http://schemas.microsoft.com/office/drawing/2014/main" id="{7845A498-7E8E-634D-8F06-899AE309EB45}"/>
+              </a:ext>
+            </a:extLst>
+          </p:cNvPr>
           <p:cNvSpPr txBox="1"/>
           <p:nvPr/>
         </p:nvSpPr>
         <p:spPr>
           <a:xfrm rot="16200000">
-            <a:off x="-870412" y="1395587"/>
-            <a:ext cx="2042258" cy="369332"/>
+            <a:off x="-736496" y="1191256"/>
+            <a:ext cx="1854995" cy="307777"/>
           </a:xfrm>
           <a:prstGeom prst="rect">
             <a:avLst/>
@@ -3113,7 +3177,10 @@
           <a:lstStyle/>
           <a:p>
             <a:r>
-              <a:rPr lang="en-US" b="1" dirty="0"/>
+              <a:rPr lang="en-US" sz="1400" b="1" dirty="0">
+                <a:latin typeface="Arial" panose="020B0604020202020204" pitchFamily="34" charset="0"/>
+                <a:cs typeface="Arial" panose="020B0604020202020204" pitchFamily="34" charset="0"/>
+              </a:rPr>
               <a:t>Koa Plantation (KP)</a:t>
             </a:r>
           </a:p>
@@ -3121,14 +3188,20 @@
       </p:sp>
       <p:sp>
         <p:nvSpPr>
-          <p:cNvPr id="13" name="TextBox 12"/>
+          <p:cNvPr id="41" name="TextBox 40">
+            <a:extLst>
+              <a:ext uri="{FF2B5EF4-FFF2-40B4-BE49-F238E27FC236}">
+                <a16:creationId xmlns:a16="http://schemas.microsoft.com/office/drawing/2014/main" id="{E4941CD4-E6ED-164E-B103-AD82DBC3A74A}"/>
+              </a:ext>
+            </a:extLst>
+          </p:cNvPr>
           <p:cNvSpPr txBox="1"/>
           <p:nvPr/>
         </p:nvSpPr>
         <p:spPr>
           <a:xfrm rot="16200000">
-            <a:off x="-210082" y="4419182"/>
-            <a:ext cx="2165113" cy="369332"/>
+            <a:off x="-794609" y="4130379"/>
+            <a:ext cx="1975221" cy="307777"/>
           </a:xfrm>
           <a:prstGeom prst="rect">
             <a:avLst/>
@@ -3142,7 +3215,10 @@
           <a:lstStyle/>
           <a:p>
             <a:r>
-              <a:rPr lang="en-US" b="1" dirty="0"/>
+              <a:rPr lang="en-US" sz="1400" b="1" dirty="0">
+                <a:latin typeface="Arial" panose="020B0604020202020204" pitchFamily="34" charset="0"/>
+                <a:cs typeface="Arial" panose="020B0604020202020204" pitchFamily="34" charset="0"/>
+              </a:rPr>
               <a:t>Remnant Forest (RK)</a:t>
             </a:r>
           </a:p>
@@ -3150,14 +3226,20 @@
       </p:sp>
       <p:sp>
         <p:nvSpPr>
-          <p:cNvPr id="17" name="TextBox 16"/>
+          <p:cNvPr id="42" name="TextBox 41">
+            <a:extLst>
+              <a:ext uri="{FF2B5EF4-FFF2-40B4-BE49-F238E27FC236}">
+                <a16:creationId xmlns:a16="http://schemas.microsoft.com/office/drawing/2014/main" id="{F859C868-43CD-8046-BE1D-C088B6648BE2}"/>
+              </a:ext>
+            </a:extLst>
+          </p:cNvPr>
           <p:cNvSpPr txBox="1"/>
           <p:nvPr/>
         </p:nvSpPr>
         <p:spPr>
           <a:xfrm>
-            <a:off x="-8864" y="57310"/>
-            <a:ext cx="324128" cy="369332"/>
+            <a:off x="329004" y="32360"/>
+            <a:ext cx="295274" cy="276999"/>
           </a:xfrm>
           <a:prstGeom prst="rect">
             <a:avLst/>
@@ -3171,7 +3253,10 @@
           <a:lstStyle/>
           <a:p>
             <a:r>
-              <a:rPr lang="en-US" b="1" dirty="0"/>
+              <a:rPr lang="en-US" sz="1200" b="1" dirty="0">
+                <a:latin typeface="Arial" panose="020B0604020202020204" pitchFamily="34" charset="0"/>
+                <a:cs typeface="Arial" panose="020B0604020202020204" pitchFamily="34" charset="0"/>
+              </a:rPr>
               <a:t>A</a:t>
             </a:r>
           </a:p>
@@ -3179,14 +3264,20 @@
       </p:sp>
       <p:sp>
         <p:nvSpPr>
-          <p:cNvPr id="19" name="TextBox 18"/>
+          <p:cNvPr id="43" name="TextBox 42">
+            <a:extLst>
+              <a:ext uri="{FF2B5EF4-FFF2-40B4-BE49-F238E27FC236}">
+                <a16:creationId xmlns:a16="http://schemas.microsoft.com/office/drawing/2014/main" id="{52DA8C02-1021-8843-89F2-F603A5304F2A}"/>
+              </a:ext>
+            </a:extLst>
+          </p:cNvPr>
           <p:cNvSpPr txBox="1"/>
           <p:nvPr/>
         </p:nvSpPr>
         <p:spPr>
           <a:xfrm>
-            <a:off x="698236" y="2775808"/>
-            <a:ext cx="314510" cy="369332"/>
+            <a:off x="310373" y="2544289"/>
+            <a:ext cx="295274" cy="276999"/>
           </a:xfrm>
           <a:prstGeom prst="rect">
             <a:avLst/>
@@ -3200,7 +3291,10 @@
           <a:lstStyle/>
           <a:p>
             <a:r>
-              <a:rPr lang="en-US" b="1" dirty="0"/>
+              <a:rPr lang="en-US" sz="1200" b="1" dirty="0">
+                <a:latin typeface="Arial" panose="020B0604020202020204" pitchFamily="34" charset="0"/>
+                <a:cs typeface="Arial" panose="020B0604020202020204" pitchFamily="34" charset="0"/>
+              </a:rPr>
               <a:t>B</a:t>
             </a:r>
           </a:p>
@@ -3208,14 +3302,20 @@
       </p:sp>
       <p:sp>
         <p:nvSpPr>
-          <p:cNvPr id="20" name="TextBox 19"/>
+          <p:cNvPr id="44" name="TextBox 43">
+            <a:extLst>
+              <a:ext uri="{FF2B5EF4-FFF2-40B4-BE49-F238E27FC236}">
+                <a16:creationId xmlns:a16="http://schemas.microsoft.com/office/drawing/2014/main" id="{4E8933F3-4EEB-C648-88E1-65B511B0D882}"/>
+              </a:ext>
+            </a:extLst>
+          </p:cNvPr>
           <p:cNvSpPr txBox="1"/>
           <p:nvPr/>
         </p:nvSpPr>
         <p:spPr>
           <a:xfrm>
-            <a:off x="4827090" y="2797093"/>
-            <a:ext cx="330540" cy="369332"/>
+            <a:off x="3231192" y="2537017"/>
+            <a:ext cx="295274" cy="276999"/>
           </a:xfrm>
           <a:prstGeom prst="rect">
             <a:avLst/>
@@ -3229,7 +3329,10 @@
           <a:lstStyle/>
           <a:p>
             <a:r>
-              <a:rPr lang="en-US" b="1" dirty="0"/>
+              <a:rPr lang="en-US" sz="1200" b="1" dirty="0">
+                <a:latin typeface="Arial" panose="020B0604020202020204" pitchFamily="34" charset="0"/>
+                <a:cs typeface="Arial" panose="020B0604020202020204" pitchFamily="34" charset="0"/>
+              </a:rPr>
               <a:t>D</a:t>
             </a:r>
           </a:p>
@@ -3237,14 +3340,20 @@
       </p:sp>
       <p:sp>
         <p:nvSpPr>
-          <p:cNvPr id="10" name="TextBox 9"/>
+          <p:cNvPr id="45" name="TextBox 44">
+            <a:extLst>
+              <a:ext uri="{FF2B5EF4-FFF2-40B4-BE49-F238E27FC236}">
+                <a16:creationId xmlns:a16="http://schemas.microsoft.com/office/drawing/2014/main" id="{358436E0-10D1-1D45-AFED-9A0C72657C23}"/>
+              </a:ext>
+            </a:extLst>
+          </p:cNvPr>
           <p:cNvSpPr txBox="1"/>
           <p:nvPr/>
         </p:nvSpPr>
         <p:spPr>
-          <a:xfrm rot="16200000">
-            <a:off x="7948128" y="4543216"/>
-            <a:ext cx="826689" cy="307777"/>
+          <a:xfrm>
+            <a:off x="5349114" y="2538360"/>
+            <a:ext cx="736099" cy="276999"/>
           </a:xfrm>
           <a:prstGeom prst="rect">
             <a:avLst/>
@@ -3258,71 +3367,335 @@
           <a:lstStyle/>
           <a:p>
             <a:r>
-              <a:rPr lang="el-GR" sz="1400" dirty="0">
-                <a:latin typeface="Arial"/>
-                <a:cs typeface="Arial"/>
+              <a:rPr lang="el-GR" sz="1200" dirty="0">
+                <a:latin typeface="Arial" panose="020B0604020202020204" pitchFamily="34" charset="0"/>
+                <a:cs typeface="Arial" panose="020B0604020202020204" pitchFamily="34" charset="0"/>
               </a:rPr>
               <a:t>δ</a:t>
             </a:r>
             <a:r>
-              <a:rPr lang="el-GR" sz="1400" baseline="30000" dirty="0">
-                <a:latin typeface="Arial"/>
-                <a:cs typeface="Arial"/>
+              <a:rPr lang="el-GR" sz="1200" baseline="30000" dirty="0">
+                <a:latin typeface="Arial" panose="020B0604020202020204" pitchFamily="34" charset="0"/>
+                <a:cs typeface="Arial" panose="020B0604020202020204" pitchFamily="34" charset="0"/>
               </a:rPr>
               <a:t>13</a:t>
             </a:r>
             <a:r>
-              <a:rPr lang="el-GR" sz="1400" dirty="0">
-                <a:latin typeface="Arial"/>
-                <a:cs typeface="Arial"/>
+              <a:rPr lang="el-GR" sz="1200" dirty="0">
+                <a:latin typeface="Arial" panose="020B0604020202020204" pitchFamily="34" charset="0"/>
+                <a:cs typeface="Arial" panose="020B0604020202020204" pitchFamily="34" charset="0"/>
               </a:rPr>
-              <a:t>C </a:t>
-            </a:r>
-            <a:r>
-              <a:rPr lang="en-US" sz="1400" dirty="0">
-                <a:latin typeface="Arial"/>
-                <a:cs typeface="Arial"/>
+              <a:t>C ‰ </a:t>
+            </a:r>
+            <a:endParaRPr lang="en-US" sz="1200" dirty="0">
+              <a:latin typeface="Arial" panose="020B0604020202020204" pitchFamily="34" charset="0"/>
+              <a:cs typeface="Arial" panose="020B0604020202020204" pitchFamily="34" charset="0"/>
+            </a:endParaRPr>
+          </a:p>
+        </p:txBody>
+      </p:sp>
+      <p:sp>
+        <p:nvSpPr>
+          <p:cNvPr id="46" name="TextBox 45">
+            <a:extLst>
+              <a:ext uri="{FF2B5EF4-FFF2-40B4-BE49-F238E27FC236}">
+                <a16:creationId xmlns:a16="http://schemas.microsoft.com/office/drawing/2014/main" id="{899470F2-3A94-8C46-87EA-4C3033BB6C98}"/>
+              </a:ext>
+            </a:extLst>
+          </p:cNvPr>
+          <p:cNvSpPr txBox="1"/>
+          <p:nvPr/>
+        </p:nvSpPr>
+        <p:spPr>
+          <a:xfrm>
+            <a:off x="4014505" y="60682"/>
+            <a:ext cx="295274" cy="276999"/>
+          </a:xfrm>
+          <a:prstGeom prst="rect">
+            <a:avLst/>
+          </a:prstGeom>
+          <a:noFill/>
+        </p:spPr>
+        <p:txBody>
+          <a:bodyPr wrap="none" rtlCol="0">
+            <a:spAutoFit/>
+          </a:bodyPr>
+          <a:lstStyle/>
+          <a:p>
+            <a:r>
+              <a:rPr lang="de-DE" sz="1200" b="1" dirty="0">
+                <a:latin typeface="Arial" panose="020B0604020202020204" pitchFamily="34" charset="0"/>
+                <a:cs typeface="Arial" panose="020B0604020202020204" pitchFamily="34" charset="0"/>
+              </a:rPr>
+              <a:t>C</a:t>
+            </a:r>
+            <a:endParaRPr lang="en-US" sz="1200" b="1" dirty="0">
+              <a:latin typeface="Arial" panose="020B0604020202020204" pitchFamily="34" charset="0"/>
+              <a:cs typeface="Arial" panose="020B0604020202020204" pitchFamily="34" charset="0"/>
+            </a:endParaRPr>
+          </a:p>
+        </p:txBody>
+      </p:sp>
+      <p:sp>
+        <p:nvSpPr>
+          <p:cNvPr id="51" name="TextBox 50">
+            <a:extLst>
+              <a:ext uri="{FF2B5EF4-FFF2-40B4-BE49-F238E27FC236}">
+                <a16:creationId xmlns:a16="http://schemas.microsoft.com/office/drawing/2014/main" id="{7A2C627F-D863-1F4F-9937-B41BFBE47208}"/>
+              </a:ext>
+            </a:extLst>
+          </p:cNvPr>
+          <p:cNvSpPr txBox="1"/>
+          <p:nvPr/>
+        </p:nvSpPr>
+        <p:spPr>
+          <a:xfrm>
+            <a:off x="1625452" y="11595"/>
+            <a:ext cx="1059906" cy="345607"/>
+          </a:xfrm>
+          <a:prstGeom prst="rect">
+            <a:avLst/>
+          </a:prstGeom>
+          <a:noFill/>
+        </p:spPr>
+        <p:txBody>
+          <a:bodyPr wrap="none" rtlCol="0">
+            <a:spAutoFit/>
+          </a:bodyPr>
+          <a:lstStyle/>
+          <a:p>
+            <a:r>
+              <a:rPr lang="en-US" sz="1600" dirty="0">
+                <a:latin typeface="Arial" panose="020B0604020202020204" pitchFamily="34" charset="0"/>
+                <a:cs typeface="Arial" panose="020B0604020202020204" pitchFamily="34" charset="0"/>
+              </a:rPr>
+              <a:t>Soil </a:t>
+            </a:r>
+            <a:r>
+              <a:rPr lang="el-GR" sz="1600" dirty="0">
+                <a:latin typeface="Arial" panose="020B0604020202020204" pitchFamily="34" charset="0"/>
+                <a:cs typeface="Arial" panose="020B0604020202020204" pitchFamily="34" charset="0"/>
+              </a:rPr>
+              <a:t>δ</a:t>
+            </a:r>
+            <a:r>
+              <a:rPr lang="el-GR" baseline="30000" dirty="0">
+                <a:latin typeface="Arial" panose="020B0604020202020204" pitchFamily="34" charset="0"/>
+                <a:cs typeface="Arial" panose="020B0604020202020204" pitchFamily="34" charset="0"/>
+              </a:rPr>
+              <a:t>1</a:t>
+            </a:r>
+            <a:r>
+              <a:rPr lang="en-US" baseline="30000" dirty="0">
+                <a:latin typeface="Arial" panose="020B0604020202020204" pitchFamily="34" charset="0"/>
+                <a:cs typeface="Arial" panose="020B0604020202020204" pitchFamily="34" charset="0"/>
+              </a:rPr>
+              <a:t>5</a:t>
+            </a:r>
+            <a:r>
+              <a:rPr lang="en-US" sz="1600" dirty="0">
+                <a:latin typeface="Arial" panose="020B0604020202020204" pitchFamily="34" charset="0"/>
+                <a:cs typeface="Arial" panose="020B0604020202020204" pitchFamily="34" charset="0"/>
+              </a:rPr>
+              <a:t>N</a:t>
+            </a:r>
+            <a:r>
+              <a:rPr lang="el-GR" dirty="0">
+                <a:latin typeface="Arial" panose="020B0604020202020204" pitchFamily="34" charset="0"/>
+                <a:cs typeface="Arial" panose="020B0604020202020204" pitchFamily="34" charset="0"/>
               </a:rPr>
               <a:t> </a:t>
             </a:r>
-            <a:r>
-              <a:rPr lang="el-GR" sz="1400" dirty="0">
-                <a:latin typeface="Arial"/>
-                <a:cs typeface="Arial"/>
+            <a:endParaRPr lang="en-US" dirty="0">
+              <a:latin typeface="Arial" panose="020B0604020202020204" pitchFamily="34" charset="0"/>
+              <a:cs typeface="Arial" panose="020B0604020202020204" pitchFamily="34" charset="0"/>
+            </a:endParaRPr>
+          </a:p>
+        </p:txBody>
+      </p:sp>
+      <p:sp>
+        <p:nvSpPr>
+          <p:cNvPr id="52" name="TextBox 51">
+            <a:extLst>
+              <a:ext uri="{FF2B5EF4-FFF2-40B4-BE49-F238E27FC236}">
+                <a16:creationId xmlns:a16="http://schemas.microsoft.com/office/drawing/2014/main" id="{DBB61453-4FC2-6946-8A01-6E1E8B9C2ACB}"/>
+              </a:ext>
+            </a:extLst>
+          </p:cNvPr>
+          <p:cNvSpPr txBox="1"/>
+          <p:nvPr/>
+        </p:nvSpPr>
+        <p:spPr>
+          <a:xfrm>
+            <a:off x="2406550" y="2533735"/>
+            <a:ext cx="736099" cy="276999"/>
+          </a:xfrm>
+          <a:prstGeom prst="rect">
+            <a:avLst/>
+          </a:prstGeom>
+          <a:noFill/>
+        </p:spPr>
+        <p:txBody>
+          <a:bodyPr wrap="none" rtlCol="0">
+            <a:spAutoFit/>
+          </a:bodyPr>
+          <a:lstStyle/>
+          <a:p>
+            <a:r>
+              <a:rPr lang="el-GR" sz="1200" dirty="0">
+                <a:latin typeface="Arial" panose="020B0604020202020204" pitchFamily="34" charset="0"/>
+                <a:cs typeface="Arial" panose="020B0604020202020204" pitchFamily="34" charset="0"/>
               </a:rPr>
-              <a:t>‰ </a:t>
-            </a:r>
-            <a:endParaRPr lang="en-US" sz="1400" dirty="0">
-              <a:latin typeface="Arial"/>
-              <a:cs typeface="Arial"/>
+              <a:t>δ</a:t>
+            </a:r>
+            <a:r>
+              <a:rPr lang="el-GR" sz="1200" baseline="30000" dirty="0">
+                <a:latin typeface="Arial" panose="020B0604020202020204" pitchFamily="34" charset="0"/>
+                <a:cs typeface="Arial" panose="020B0604020202020204" pitchFamily="34" charset="0"/>
+              </a:rPr>
+              <a:t>1</a:t>
+            </a:r>
+            <a:r>
+              <a:rPr lang="en-US" sz="1200" baseline="30000" dirty="0">
+                <a:latin typeface="Arial" panose="020B0604020202020204" pitchFamily="34" charset="0"/>
+                <a:cs typeface="Arial" panose="020B0604020202020204" pitchFamily="34" charset="0"/>
+              </a:rPr>
+              <a:t>5</a:t>
+            </a:r>
+            <a:r>
+              <a:rPr lang="en-US" sz="1200" dirty="0">
+                <a:latin typeface="Arial" panose="020B0604020202020204" pitchFamily="34" charset="0"/>
+                <a:cs typeface="Arial" panose="020B0604020202020204" pitchFamily="34" charset="0"/>
+              </a:rPr>
+              <a:t>N</a:t>
+            </a:r>
+            <a:r>
+              <a:rPr lang="el-GR" sz="1200" dirty="0">
+                <a:latin typeface="Arial" panose="020B0604020202020204" pitchFamily="34" charset="0"/>
+                <a:cs typeface="Arial" panose="020B0604020202020204" pitchFamily="34" charset="0"/>
+              </a:rPr>
+              <a:t> ‰ </a:t>
+            </a:r>
+            <a:endParaRPr lang="en-US" sz="1200" dirty="0">
+              <a:latin typeface="Arial" panose="020B0604020202020204" pitchFamily="34" charset="0"/>
+              <a:cs typeface="Arial" panose="020B0604020202020204" pitchFamily="34" charset="0"/>
+            </a:endParaRPr>
+          </a:p>
+        </p:txBody>
+      </p:sp>
+      <p:sp>
+        <p:nvSpPr>
+          <p:cNvPr id="53" name="TextBox 52">
+            <a:extLst>
+              <a:ext uri="{FF2B5EF4-FFF2-40B4-BE49-F238E27FC236}">
+                <a16:creationId xmlns:a16="http://schemas.microsoft.com/office/drawing/2014/main" id="{FF9ED934-3CE9-364A-BBDD-B63DABC7DFD8}"/>
+              </a:ext>
+            </a:extLst>
+          </p:cNvPr>
+          <p:cNvSpPr txBox="1"/>
+          <p:nvPr/>
+        </p:nvSpPr>
+        <p:spPr>
+          <a:xfrm>
+            <a:off x="5349114" y="9989"/>
+            <a:ext cx="1059906" cy="345607"/>
+          </a:xfrm>
+          <a:prstGeom prst="rect">
+            <a:avLst/>
+          </a:prstGeom>
+          <a:noFill/>
+        </p:spPr>
+        <p:txBody>
+          <a:bodyPr wrap="none" rtlCol="0">
+            <a:spAutoFit/>
+          </a:bodyPr>
+          <a:lstStyle/>
+          <a:p>
+            <a:r>
+              <a:rPr lang="en-US" sz="1600" dirty="0">
+                <a:latin typeface="Arial" panose="020B0604020202020204" pitchFamily="34" charset="0"/>
+                <a:cs typeface="Arial" panose="020B0604020202020204" pitchFamily="34" charset="0"/>
+              </a:rPr>
+              <a:t>Soil </a:t>
+            </a:r>
+            <a:r>
+              <a:rPr lang="el-GR" sz="1600" dirty="0">
+                <a:latin typeface="Arial" panose="020B0604020202020204" pitchFamily="34" charset="0"/>
+                <a:cs typeface="Arial" panose="020B0604020202020204" pitchFamily="34" charset="0"/>
+              </a:rPr>
+              <a:t>δ</a:t>
+            </a:r>
+            <a:r>
+              <a:rPr lang="el-GR" baseline="30000" dirty="0">
+                <a:latin typeface="Arial" panose="020B0604020202020204" pitchFamily="34" charset="0"/>
+                <a:cs typeface="Arial" panose="020B0604020202020204" pitchFamily="34" charset="0"/>
+              </a:rPr>
+              <a:t>1</a:t>
+            </a:r>
+            <a:r>
+              <a:rPr lang="en-US" baseline="30000" dirty="0">
+                <a:latin typeface="Arial" panose="020B0604020202020204" pitchFamily="34" charset="0"/>
+                <a:cs typeface="Arial" panose="020B0604020202020204" pitchFamily="34" charset="0"/>
+              </a:rPr>
+              <a:t>3</a:t>
+            </a:r>
+            <a:r>
+              <a:rPr lang="en-US" sz="1600" dirty="0">
+                <a:latin typeface="Arial" panose="020B0604020202020204" pitchFamily="34" charset="0"/>
+                <a:cs typeface="Arial" panose="020B0604020202020204" pitchFamily="34" charset="0"/>
+              </a:rPr>
+              <a:t>C</a:t>
+            </a:r>
+            <a:r>
+              <a:rPr lang="el-GR" dirty="0">
+                <a:latin typeface="Arial" panose="020B0604020202020204" pitchFamily="34" charset="0"/>
+                <a:cs typeface="Arial" panose="020B0604020202020204" pitchFamily="34" charset="0"/>
+              </a:rPr>
+              <a:t> </a:t>
+            </a:r>
+            <a:endParaRPr lang="en-US" dirty="0">
+              <a:latin typeface="Arial" panose="020B0604020202020204" pitchFamily="34" charset="0"/>
+              <a:cs typeface="Arial" panose="020B0604020202020204" pitchFamily="34" charset="0"/>
             </a:endParaRPr>
           </a:p>
         </p:txBody>
       </p:sp>
       <p:grpSp>
         <p:nvGrpSpPr>
-          <p:cNvPr id="50" name="Group 49"/>
+          <p:cNvPr id="54" name="Group 53">
+            <a:extLst>
+              <a:ext uri="{FF2B5EF4-FFF2-40B4-BE49-F238E27FC236}">
+                <a16:creationId xmlns:a16="http://schemas.microsoft.com/office/drawing/2014/main" id="{5E5892CF-4496-6D49-8354-3B8F54D98AEF}"/>
+              </a:ext>
+            </a:extLst>
+          </p:cNvPr>
           <p:cNvGrpSpPr/>
           <p:nvPr/>
         </p:nvGrpSpPr>
         <p:grpSpPr>
           <a:xfrm>
-            <a:off x="3833682" y="6395107"/>
-            <a:ext cx="837162" cy="323669"/>
-            <a:chOff x="7979484" y="2914313"/>
-            <a:chExt cx="837162" cy="323669"/>
+            <a:off x="6803804" y="2584478"/>
+            <a:ext cx="595488" cy="215444"/>
+            <a:chOff x="7910036" y="2959283"/>
+            <a:chExt cx="595488" cy="215444"/>
           </a:xfrm>
         </p:grpSpPr>
         <p:sp>
           <p:nvSpPr>
-            <p:cNvPr id="47" name="TextBox 46"/>
+            <p:cNvPr id="55" name="TextBox 54">
+              <a:extLst>
+                <a:ext uri="{FF2B5EF4-FFF2-40B4-BE49-F238E27FC236}">
+                  <a16:creationId xmlns:a16="http://schemas.microsoft.com/office/drawing/2014/main" id="{DF7C6B2D-4402-FC48-8555-6DC955F39663}"/>
+                </a:ext>
+              </a:extLst>
+            </p:cNvPr>
             <p:cNvSpPr txBox="1"/>
             <p:nvPr/>
           </p:nvSpPr>
           <p:spPr>
             <a:xfrm>
-              <a:off x="7979484" y="2914313"/>
-              <a:ext cx="595488" cy="276999"/>
+              <a:off x="7910036" y="2959283"/>
+              <a:ext cx="595488" cy="215444"/>
             </a:xfrm>
             <a:prstGeom prst="rect">
               <a:avLst/>
@@ -3335,8 +3708,9 @@
             </a:bodyPr>
             <a:lstStyle/>
             <a:p>
+              <a:pPr algn="r"/>
               <a:r>
-                <a:rPr lang="en-US" sz="1200" dirty="0">
+                <a:rPr lang="en-US" sz="800" dirty="0">
                   <a:latin typeface="Arial"/>
                   <a:cs typeface="Arial"/>
                 </a:rPr>
@@ -3347,14 +3721,20 @@
         </p:sp>
         <p:sp>
           <p:nvSpPr>
-            <p:cNvPr id="48" name="Rectangle 47"/>
+            <p:cNvPr id="56" name="Rectangle 55">
+              <a:extLst>
+                <a:ext uri="{FF2B5EF4-FFF2-40B4-BE49-F238E27FC236}">
+                  <a16:creationId xmlns:a16="http://schemas.microsoft.com/office/drawing/2014/main" id="{062900AD-004F-1941-88A9-C0D14341B3C4}"/>
+                </a:ext>
+              </a:extLst>
+            </p:cNvPr>
             <p:cNvSpPr/>
             <p:nvPr/>
           </p:nvSpPr>
           <p:spPr>
             <a:xfrm>
-              <a:off x="7990371" y="3170853"/>
-              <a:ext cx="417285" cy="67129"/>
+              <a:off x="7990371" y="3125637"/>
+              <a:ext cx="417285" cy="45719"/>
             </a:xfrm>
             <a:prstGeom prst="rect">
               <a:avLst/>
@@ -3392,325 +3772,36 @@
             </a:p>
           </p:txBody>
         </p:sp>
-        <p:sp>
-          <p:nvSpPr>
-            <p:cNvPr id="49" name="Rectangle 48"/>
-            <p:cNvSpPr/>
-            <p:nvPr/>
-          </p:nvSpPr>
-          <p:spPr>
-            <a:xfrm>
-              <a:off x="8399361" y="3170853"/>
-              <a:ext cx="417285" cy="67129"/>
-            </a:xfrm>
-            <a:prstGeom prst="rect">
-              <a:avLst/>
-            </a:prstGeom>
-            <a:solidFill>
-              <a:schemeClr val="bg1">
-                <a:lumMod val="75000"/>
-              </a:schemeClr>
-            </a:solidFill>
-            <a:ln w="6350" cmpd="sng">
-              <a:solidFill>
-                <a:srgbClr val="000000"/>
-              </a:solidFill>
-            </a:ln>
-            <a:effectLst/>
-          </p:spPr>
-          <p:style>
-            <a:lnRef idx="1">
-              <a:schemeClr val="accent1"/>
-            </a:lnRef>
-            <a:fillRef idx="3">
-              <a:schemeClr val="accent1"/>
-            </a:fillRef>
-            <a:effectRef idx="2">
-              <a:schemeClr val="accent1"/>
-            </a:effectRef>
-            <a:fontRef idx="minor">
-              <a:schemeClr val="lt1"/>
-            </a:fontRef>
-          </p:style>
-          <p:txBody>
-            <a:bodyPr rtlCol="0" anchor="ctr"/>
-            <a:lstStyle/>
-            <a:p>
-              <a:pPr algn="ctr"/>
-              <a:endParaRPr lang="en-US"/>
-            </a:p>
-          </p:txBody>
-        </p:sp>
       </p:grpSp>
-      <p:sp>
-        <p:nvSpPr>
-          <p:cNvPr id="18" name="TextBox 17"/>
-          <p:cNvSpPr txBox="1"/>
-          <p:nvPr/>
-        </p:nvSpPr>
-        <p:spPr>
-          <a:xfrm>
-            <a:off x="4427125" y="6510"/>
-            <a:ext cx="359394" cy="369332"/>
-          </a:xfrm>
-          <a:prstGeom prst="rect">
-            <a:avLst/>
-          </a:prstGeom>
-          <a:noFill/>
-        </p:spPr>
-        <p:txBody>
-          <a:bodyPr wrap="none" rtlCol="0">
-            <a:spAutoFit/>
-          </a:bodyPr>
-          <a:lstStyle/>
-          <a:p>
-            <a:r>
-              <a:rPr lang="de-DE" b="1" dirty="0"/>
-              <a:t>C </a:t>
-            </a:r>
-            <a:endParaRPr lang="en-US" b="1" dirty="0"/>
-          </a:p>
-        </p:txBody>
-      </p:sp>
-      <p:sp>
-        <p:nvSpPr>
-          <p:cNvPr id="62" name="Rectangle 61"/>
-          <p:cNvSpPr/>
-          <p:nvPr/>
-        </p:nvSpPr>
-        <p:spPr>
-          <a:xfrm>
-            <a:off x="5177113" y="6490321"/>
-            <a:ext cx="1172466" cy="307777"/>
-          </a:xfrm>
-          <a:prstGeom prst="rect">
-            <a:avLst/>
-          </a:prstGeom>
-        </p:spPr>
-        <p:txBody>
-          <a:bodyPr wrap="none">
-            <a:spAutoFit/>
-          </a:bodyPr>
-          <a:lstStyle/>
-          <a:p>
-            <a:r>
-              <a:rPr lang="en-US" sz="1400" dirty="0">
-                <a:latin typeface="Arial"/>
-                <a:cs typeface="Arial"/>
-              </a:rPr>
-              <a:t>soil samples</a:t>
-            </a:r>
-          </a:p>
-        </p:txBody>
-      </p:sp>
-      <p:sp>
-        <p:nvSpPr>
-          <p:cNvPr id="63" name="Oval 62"/>
-          <p:cNvSpPr/>
-          <p:nvPr/>
-        </p:nvSpPr>
-        <p:spPr>
-          <a:xfrm>
-            <a:off x="5009634" y="6578557"/>
-            <a:ext cx="171483" cy="174416"/>
-          </a:xfrm>
-          <a:prstGeom prst="ellipse">
-            <a:avLst/>
-          </a:prstGeom>
-          <a:noFill/>
-          <a:ln>
-            <a:solidFill>
-              <a:srgbClr val="000000"/>
-            </a:solidFill>
-          </a:ln>
-          <a:effectLst/>
-        </p:spPr>
-        <p:style>
-          <a:lnRef idx="1">
-            <a:schemeClr val="accent1"/>
-          </a:lnRef>
-          <a:fillRef idx="3">
-            <a:schemeClr val="accent1"/>
-          </a:fillRef>
-          <a:effectRef idx="2">
-            <a:schemeClr val="accent1"/>
-          </a:effectRef>
-          <a:fontRef idx="minor">
-            <a:schemeClr val="lt1"/>
-          </a:fontRef>
-        </p:style>
-        <p:txBody>
-          <a:bodyPr rtlCol="0" anchor="ctr"/>
-          <a:lstStyle/>
-          <a:p>
-            <a:pPr algn="ctr"/>
-            <a:endParaRPr lang="en-US"/>
-          </a:p>
-        </p:txBody>
-      </p:sp>
-      <p:sp>
-        <p:nvSpPr>
-          <p:cNvPr id="15" name="TextBox 14"/>
-          <p:cNvSpPr txBox="1"/>
-          <p:nvPr/>
-        </p:nvSpPr>
-        <p:spPr>
-          <a:xfrm>
-            <a:off x="1398653" y="28012"/>
-            <a:ext cx="2206181" cy="369332"/>
-          </a:xfrm>
-          <a:prstGeom prst="rect">
-            <a:avLst/>
-          </a:prstGeom>
-          <a:noFill/>
-        </p:spPr>
-        <p:txBody>
-          <a:bodyPr wrap="none" rtlCol="0">
-            <a:spAutoFit/>
-          </a:bodyPr>
-          <a:lstStyle/>
-          <a:p>
-            <a:r>
-              <a:rPr lang="en-US" i="1" dirty="0"/>
-              <a:t>Soil nitrogen </a:t>
-            </a:r>
-            <a:r>
-              <a:rPr lang="en-US" i="1" dirty="0" err="1"/>
-              <a:t>isoscape</a:t>
-            </a:r>
-            <a:endParaRPr lang="en-US" i="1" dirty="0"/>
-          </a:p>
-        </p:txBody>
-      </p:sp>
-      <p:sp>
-        <p:nvSpPr>
-          <p:cNvPr id="16" name="TextBox 15"/>
-          <p:cNvSpPr txBox="1"/>
-          <p:nvPr/>
-        </p:nvSpPr>
-        <p:spPr>
-          <a:xfrm>
-            <a:off x="5647637" y="32656"/>
-            <a:ext cx="2060436" cy="369332"/>
-          </a:xfrm>
-          <a:prstGeom prst="rect">
-            <a:avLst/>
-          </a:prstGeom>
-          <a:noFill/>
-        </p:spPr>
-        <p:txBody>
-          <a:bodyPr wrap="none" rtlCol="0">
-            <a:spAutoFit/>
-          </a:bodyPr>
-          <a:lstStyle/>
-          <a:p>
-            <a:r>
-              <a:rPr lang="en-US" i="1" dirty="0"/>
-              <a:t>Soil carbon </a:t>
-            </a:r>
-            <a:r>
-              <a:rPr lang="en-US" i="1" dirty="0" err="1"/>
-              <a:t>isoscape</a:t>
-            </a:r>
-            <a:endParaRPr lang="en-US" i="1" dirty="0"/>
-          </a:p>
-        </p:txBody>
-      </p:sp>
-      <p:sp>
-        <p:nvSpPr>
-          <p:cNvPr id="11" name="TextBox 10"/>
-          <p:cNvSpPr txBox="1"/>
-          <p:nvPr/>
-        </p:nvSpPr>
-        <p:spPr>
-          <a:xfrm rot="16200000">
-            <a:off x="3765008" y="4462919"/>
-            <a:ext cx="826689" cy="307777"/>
-          </a:xfrm>
-          <a:prstGeom prst="rect">
-            <a:avLst/>
-          </a:prstGeom>
-          <a:noFill/>
-        </p:spPr>
-        <p:txBody>
-          <a:bodyPr wrap="none" rtlCol="0">
-            <a:spAutoFit/>
-          </a:bodyPr>
-          <a:lstStyle/>
-          <a:p>
-            <a:r>
-              <a:rPr lang="el-GR" sz="1400" dirty="0">
-                <a:latin typeface="Arial"/>
-                <a:cs typeface="Arial"/>
-              </a:rPr>
-              <a:t>δ</a:t>
-            </a:r>
-            <a:r>
-              <a:rPr lang="el-GR" sz="1400" baseline="30000" dirty="0">
-                <a:latin typeface="Arial"/>
-                <a:cs typeface="Arial"/>
-              </a:rPr>
-              <a:t>1</a:t>
-            </a:r>
-            <a:r>
-              <a:rPr lang="en-US" sz="1400" baseline="30000" dirty="0">
-                <a:latin typeface="Arial"/>
-                <a:cs typeface="Arial"/>
-              </a:rPr>
-              <a:t>5</a:t>
-            </a:r>
-            <a:r>
-              <a:rPr lang="en-US" sz="1400" dirty="0">
-                <a:latin typeface="Arial"/>
-                <a:cs typeface="Arial"/>
-              </a:rPr>
-              <a:t>N</a:t>
-            </a:r>
-            <a:r>
-              <a:rPr lang="el-GR" sz="1400" dirty="0">
-                <a:latin typeface="Arial"/>
-                <a:cs typeface="Arial"/>
-              </a:rPr>
-              <a:t> </a:t>
-            </a:r>
-            <a:r>
-              <a:rPr lang="en-US" sz="1400" dirty="0">
-                <a:latin typeface="Arial"/>
-                <a:cs typeface="Arial"/>
-              </a:rPr>
-              <a:t> </a:t>
-            </a:r>
-            <a:r>
-              <a:rPr lang="el-GR" sz="1400" dirty="0">
-                <a:latin typeface="Arial"/>
-                <a:cs typeface="Arial"/>
-              </a:rPr>
-              <a:t>‰ </a:t>
-            </a:r>
-            <a:endParaRPr lang="en-US" sz="1400" dirty="0">
-              <a:latin typeface="Arial"/>
-              <a:cs typeface="Arial"/>
-            </a:endParaRPr>
-          </a:p>
-        </p:txBody>
-      </p:sp>
       <p:grpSp>
         <p:nvGrpSpPr>
-          <p:cNvPr id="68" name="Group 67"/>
+          <p:cNvPr id="57" name="Group 56">
+            <a:extLst>
+              <a:ext uri="{FF2B5EF4-FFF2-40B4-BE49-F238E27FC236}">
+                <a16:creationId xmlns:a16="http://schemas.microsoft.com/office/drawing/2014/main" id="{5C18E7F8-A2E1-C043-AD96-00193F99C597}"/>
+              </a:ext>
+            </a:extLst>
+          </p:cNvPr>
           <p:cNvGrpSpPr/>
           <p:nvPr/>
         </p:nvGrpSpPr>
         <p:grpSpPr>
           <a:xfrm>
-            <a:off x="3006988" y="6340194"/>
-            <a:ext cx="284480" cy="498605"/>
-            <a:chOff x="7247000" y="3098800"/>
-            <a:chExt cx="300299" cy="608719"/>
+            <a:off x="7422994" y="2508623"/>
+            <a:ext cx="258404" cy="396289"/>
+            <a:chOff x="7223262" y="3098800"/>
+            <a:chExt cx="346810" cy="730557"/>
           </a:xfrm>
         </p:grpSpPr>
         <p:cxnSp>
           <p:nvCxnSpPr>
-            <p:cNvPr id="27" name="Straight Connector 26"/>
+            <p:cNvPr id="58" name="Straight Connector 57">
+              <a:extLst>
+                <a:ext uri="{FF2B5EF4-FFF2-40B4-BE49-F238E27FC236}">
+                  <a16:creationId xmlns:a16="http://schemas.microsoft.com/office/drawing/2014/main" id="{8B1732C0-3E5F-6C43-B2BA-CF858753DECD}"/>
+                </a:ext>
+              </a:extLst>
+            </p:cNvPr>
             <p:cNvCxnSpPr/>
             <p:nvPr/>
           </p:nvCxnSpPr>
@@ -3746,14 +3837,22 @@
         </p:cxnSp>
         <p:cxnSp>
           <p:nvCxnSpPr>
-            <p:cNvPr id="28" name="Straight Connector 27"/>
-            <p:cNvCxnSpPr/>
+            <p:cNvPr id="59" name="Straight Connector 58">
+              <a:extLst>
+                <a:ext uri="{FF2B5EF4-FFF2-40B4-BE49-F238E27FC236}">
+                  <a16:creationId xmlns:a16="http://schemas.microsoft.com/office/drawing/2014/main" id="{378FD808-4123-B248-8B2C-C48978557C7A}"/>
+                </a:ext>
+              </a:extLst>
+            </p:cNvPr>
+            <p:cNvCxnSpPr>
+              <a:cxnSpLocks/>
+            </p:cNvCxnSpPr>
             <p:nvPr/>
           </p:nvCxnSpPr>
           <p:spPr>
             <a:xfrm flipH="1">
-              <a:off x="7247000" y="3393440"/>
-              <a:ext cx="152400" cy="132080"/>
+              <a:off x="7247001" y="3393440"/>
+              <a:ext cx="152398" cy="132080"/>
             </a:xfrm>
             <a:prstGeom prst="line">
               <a:avLst/>
@@ -3782,14 +3881,22 @@
         </p:cxnSp>
         <p:cxnSp>
           <p:nvCxnSpPr>
-            <p:cNvPr id="31" name="Straight Connector 30"/>
-            <p:cNvCxnSpPr/>
+            <p:cNvPr id="60" name="Straight Connector 59">
+              <a:extLst>
+                <a:ext uri="{FF2B5EF4-FFF2-40B4-BE49-F238E27FC236}">
+                  <a16:creationId xmlns:a16="http://schemas.microsoft.com/office/drawing/2014/main" id="{F6165AA2-18B5-6D49-9514-C685EF1846D5}"/>
+                </a:ext>
+              </a:extLst>
+            </p:cNvPr>
+            <p:cNvCxnSpPr>
+              <a:cxnSpLocks/>
+            </p:cNvCxnSpPr>
             <p:nvPr/>
           </p:nvCxnSpPr>
           <p:spPr>
             <a:xfrm>
-              <a:off x="7399400" y="3393440"/>
-              <a:ext cx="132080" cy="132080"/>
+              <a:off x="7399399" y="3393440"/>
+              <a:ext cx="132081" cy="132080"/>
             </a:xfrm>
             <a:prstGeom prst="line">
               <a:avLst/>
@@ -3818,7 +3925,13 @@
         </p:cxnSp>
         <p:cxnSp>
           <p:nvCxnSpPr>
-            <p:cNvPr id="34" name="Straight Connector 33"/>
+            <p:cNvPr id="61" name="Straight Connector 60">
+              <a:extLst>
+                <a:ext uri="{FF2B5EF4-FFF2-40B4-BE49-F238E27FC236}">
+                  <a16:creationId xmlns:a16="http://schemas.microsoft.com/office/drawing/2014/main" id="{93E8BAF1-0096-0642-B63D-527C5AAD720A}"/>
+                </a:ext>
+              </a:extLst>
+            </p:cNvPr>
             <p:cNvCxnSpPr/>
             <p:nvPr/>
           </p:nvCxnSpPr>
@@ -3854,14 +3967,20 @@
         </p:cxnSp>
         <p:sp>
           <p:nvSpPr>
-            <p:cNvPr id="40" name="TextBox 39"/>
+            <p:cNvPr id="64" name="TextBox 63">
+              <a:extLst>
+                <a:ext uri="{FF2B5EF4-FFF2-40B4-BE49-F238E27FC236}">
+                  <a16:creationId xmlns:a16="http://schemas.microsoft.com/office/drawing/2014/main" id="{4C0190D8-0C1C-C341-955A-EA4D2A6BF02B}"/>
+                </a:ext>
+              </a:extLst>
+            </p:cNvPr>
             <p:cNvSpPr txBox="1"/>
             <p:nvPr/>
           </p:nvSpPr>
           <p:spPr>
             <a:xfrm>
-              <a:off x="7251500" y="3430520"/>
-              <a:ext cx="295799" cy="276999"/>
+              <a:off x="7223262" y="3432187"/>
+              <a:ext cx="346810" cy="397170"/>
             </a:xfrm>
             <a:prstGeom prst="rect">
               <a:avLst/>
@@ -3875,7 +3994,7 @@
             <a:lstStyle/>
             <a:p>
               <a:r>
-                <a:rPr lang="en-US" sz="1200" dirty="0">
+                <a:rPr lang="en-US" sz="800" dirty="0">
                   <a:latin typeface="Arial"/>
                   <a:cs typeface="Arial"/>
                 </a:rPr>
@@ -3885,29 +4004,358 @@
           </p:txBody>
         </p:sp>
       </p:grpSp>
+      <p:grpSp>
+        <p:nvGrpSpPr>
+          <p:cNvPr id="65" name="Group 64">
+            <a:extLst>
+              <a:ext uri="{FF2B5EF4-FFF2-40B4-BE49-F238E27FC236}">
+                <a16:creationId xmlns:a16="http://schemas.microsoft.com/office/drawing/2014/main" id="{A8102816-0C97-4842-8A6F-EA431A682C49}"/>
+              </a:ext>
+            </a:extLst>
+          </p:cNvPr>
+          <p:cNvGrpSpPr/>
+          <p:nvPr/>
+        </p:nvGrpSpPr>
+        <p:grpSpPr>
+          <a:xfrm>
+            <a:off x="6386819" y="2963746"/>
+            <a:ext cx="1278525" cy="991314"/>
+            <a:chOff x="7001050" y="3093113"/>
+            <a:chExt cx="1278525" cy="991314"/>
+          </a:xfrm>
+        </p:grpSpPr>
+        <p:grpSp>
+          <p:nvGrpSpPr>
+            <p:cNvPr id="66" name="Group 65">
+              <a:extLst>
+                <a:ext uri="{FF2B5EF4-FFF2-40B4-BE49-F238E27FC236}">
+                  <a16:creationId xmlns:a16="http://schemas.microsoft.com/office/drawing/2014/main" id="{2D906189-CFEF-6E4F-AD8C-197C8416AED5}"/>
+                </a:ext>
+              </a:extLst>
+            </p:cNvPr>
+            <p:cNvGrpSpPr/>
+            <p:nvPr/>
+          </p:nvGrpSpPr>
+          <p:grpSpPr>
+            <a:xfrm>
+              <a:off x="7001050" y="3093113"/>
+              <a:ext cx="1278525" cy="991314"/>
+              <a:chOff x="7928405" y="469119"/>
+              <a:chExt cx="957264" cy="690899"/>
+            </a:xfrm>
+          </p:grpSpPr>
+          <p:sp>
+            <p:nvSpPr>
+              <p:cNvPr id="69" name="Rectangle 68">
+                <a:extLst>
+                  <a:ext uri="{FF2B5EF4-FFF2-40B4-BE49-F238E27FC236}">
+                    <a16:creationId xmlns:a16="http://schemas.microsoft.com/office/drawing/2014/main" id="{D0621CB5-3AA7-6F40-B181-3F0C4960F607}"/>
+                  </a:ext>
+                </a:extLst>
+              </p:cNvPr>
+              <p:cNvSpPr/>
+              <p:nvPr/>
+            </p:nvSpPr>
+            <p:spPr>
+              <a:xfrm>
+                <a:off x="8075485" y="945512"/>
+                <a:ext cx="339899" cy="214506"/>
+              </a:xfrm>
+              <a:prstGeom prst="rect">
+                <a:avLst/>
+              </a:prstGeom>
+            </p:spPr>
+            <p:txBody>
+              <a:bodyPr wrap="none">
+                <a:spAutoFit/>
+              </a:bodyPr>
+              <a:lstStyle/>
+              <a:p>
+                <a:r>
+                  <a:rPr lang="en-US" sz="1400" dirty="0">
+                    <a:latin typeface="Arial"/>
+                    <a:cs typeface="Arial"/>
+                  </a:rPr>
+                  <a:t>soil</a:t>
+                </a:r>
+              </a:p>
+            </p:txBody>
+          </p:sp>
+          <p:sp>
+            <p:nvSpPr>
+              <p:cNvPr id="70" name="Oval 69">
+                <a:extLst>
+                  <a:ext uri="{FF2B5EF4-FFF2-40B4-BE49-F238E27FC236}">
+                    <a16:creationId xmlns:a16="http://schemas.microsoft.com/office/drawing/2014/main" id="{B934FBB2-304E-BC4E-A34B-591668CAECBC}"/>
+                  </a:ext>
+                </a:extLst>
+              </p:cNvPr>
+              <p:cNvSpPr/>
+              <p:nvPr/>
+            </p:nvSpPr>
+            <p:spPr>
+              <a:xfrm>
+                <a:off x="7928405" y="1001937"/>
+                <a:ext cx="113406" cy="101184"/>
+              </a:xfrm>
+              <a:prstGeom prst="ellipse">
+                <a:avLst/>
+              </a:prstGeom>
+              <a:noFill/>
+              <a:ln w="12700">
+                <a:solidFill>
+                  <a:srgbClr val="000000"/>
+                </a:solidFill>
+              </a:ln>
+              <a:effectLst/>
+            </p:spPr>
+            <p:style>
+              <a:lnRef idx="1">
+                <a:schemeClr val="accent1"/>
+              </a:lnRef>
+              <a:fillRef idx="3">
+                <a:schemeClr val="accent1"/>
+              </a:fillRef>
+              <a:effectRef idx="2">
+                <a:schemeClr val="accent1"/>
+              </a:effectRef>
+              <a:fontRef idx="minor">
+                <a:schemeClr val="lt1"/>
+              </a:fontRef>
+            </p:style>
+            <p:txBody>
+              <a:bodyPr rtlCol="0" anchor="ctr"/>
+              <a:lstStyle/>
+              <a:p>
+                <a:pPr algn="ctr"/>
+                <a:endParaRPr lang="en-US" sz="1200"/>
+              </a:p>
+            </p:txBody>
+          </p:sp>
+          <p:sp>
+            <p:nvSpPr>
+              <p:cNvPr id="71" name="Rectangle 70">
+                <a:extLst>
+                  <a:ext uri="{FF2B5EF4-FFF2-40B4-BE49-F238E27FC236}">
+                    <a16:creationId xmlns:a16="http://schemas.microsoft.com/office/drawing/2014/main" id="{25624E6D-A4EF-CC40-A473-B30C7D05EF00}"/>
+                  </a:ext>
+                </a:extLst>
+              </p:cNvPr>
+              <p:cNvSpPr/>
+              <p:nvPr/>
+            </p:nvSpPr>
+            <p:spPr>
+              <a:xfrm>
+                <a:off x="8075485" y="469119"/>
+                <a:ext cx="794779" cy="214506"/>
+              </a:xfrm>
+              <a:prstGeom prst="rect">
+                <a:avLst/>
+              </a:prstGeom>
+            </p:spPr>
+            <p:txBody>
+              <a:bodyPr wrap="none">
+                <a:spAutoFit/>
+              </a:bodyPr>
+              <a:lstStyle/>
+              <a:p>
+                <a:r>
+                  <a:rPr lang="en-US" sz="1400" i="1" dirty="0">
+                    <a:latin typeface="Arial"/>
+                    <a:cs typeface="Arial"/>
+                  </a:rPr>
+                  <a:t>Acacia </a:t>
+                </a:r>
+                <a:r>
+                  <a:rPr lang="en-US" sz="1400" i="1" dirty="0" err="1">
+                    <a:latin typeface="Arial"/>
+                    <a:cs typeface="Arial"/>
+                  </a:rPr>
+                  <a:t>koa</a:t>
+                </a:r>
+                <a:endParaRPr lang="en-US" sz="1400" i="1" dirty="0">
+                  <a:latin typeface="Arial"/>
+                  <a:cs typeface="Arial"/>
+                </a:endParaRPr>
+              </a:p>
+            </p:txBody>
+          </p:sp>
+          <p:sp>
+            <p:nvSpPr>
+              <p:cNvPr id="72" name="Isosceles Triangle 65">
+                <a:extLst>
+                  <a:ext uri="{FF2B5EF4-FFF2-40B4-BE49-F238E27FC236}">
+                    <a16:creationId xmlns:a16="http://schemas.microsoft.com/office/drawing/2014/main" id="{76968FF4-5A77-E645-9F3B-440C8BDC9AB1}"/>
+                  </a:ext>
+                </a:extLst>
+              </p:cNvPr>
+              <p:cNvSpPr/>
+              <p:nvPr/>
+            </p:nvSpPr>
+            <p:spPr>
+              <a:xfrm>
+                <a:off x="7928405" y="525780"/>
+                <a:ext cx="120578" cy="101185"/>
+              </a:xfrm>
+              <a:prstGeom prst="triangle">
+                <a:avLst/>
+              </a:prstGeom>
+              <a:solidFill>
+                <a:srgbClr val="000000"/>
+              </a:solidFill>
+              <a:ln>
+                <a:solidFill>
+                  <a:srgbClr val="000000"/>
+                </a:solidFill>
+              </a:ln>
+              <a:effectLst/>
+            </p:spPr>
+            <p:style>
+              <a:lnRef idx="1">
+                <a:schemeClr val="accent1"/>
+              </a:lnRef>
+              <a:fillRef idx="3">
+                <a:schemeClr val="accent1"/>
+              </a:fillRef>
+              <a:effectRef idx="2">
+                <a:schemeClr val="accent1"/>
+              </a:effectRef>
+              <a:fontRef idx="minor">
+                <a:schemeClr val="lt1"/>
+              </a:fontRef>
+            </p:style>
+            <p:txBody>
+              <a:bodyPr rtlCol="0" anchor="ctr"/>
+              <a:lstStyle/>
+              <a:p>
+                <a:pPr algn="ctr"/>
+                <a:endParaRPr lang="en-US" dirty="0"/>
+              </a:p>
+            </p:txBody>
+          </p:sp>
+          <p:sp>
+            <p:nvSpPr>
+              <p:cNvPr id="73" name="TextBox 72">
+                <a:extLst>
+                  <a:ext uri="{FF2B5EF4-FFF2-40B4-BE49-F238E27FC236}">
+                    <a16:creationId xmlns:a16="http://schemas.microsoft.com/office/drawing/2014/main" id="{2CD42986-7372-DF42-B983-A9727586ECEA}"/>
+                  </a:ext>
+                </a:extLst>
+              </p:cNvPr>
+              <p:cNvSpPr txBox="1"/>
+              <p:nvPr/>
+            </p:nvSpPr>
+            <p:spPr>
+              <a:xfrm>
+                <a:off x="8069286" y="703852"/>
+                <a:ext cx="816383" cy="214506"/>
+              </a:xfrm>
+              <a:prstGeom prst="rect">
+                <a:avLst/>
+              </a:prstGeom>
+              <a:noFill/>
+            </p:spPr>
+            <p:txBody>
+              <a:bodyPr wrap="none" rtlCol="0">
+                <a:spAutoFit/>
+              </a:bodyPr>
+              <a:lstStyle/>
+              <a:p>
+                <a:r>
+                  <a:rPr lang="en-US" sz="1400" i="1" dirty="0">
+                    <a:latin typeface="Arial"/>
+                    <a:cs typeface="Arial"/>
+                  </a:rPr>
+                  <a:t>Rubus</a:t>
+                </a:r>
+                <a:r>
+                  <a:rPr lang="en-US" sz="1400" dirty="0">
+                    <a:latin typeface="Arial"/>
+                    <a:cs typeface="Arial"/>
+                  </a:rPr>
+                  <a:t> spp.</a:t>
+                </a:r>
+              </a:p>
+            </p:txBody>
+          </p:sp>
+        </p:grpSp>
+        <p:sp>
+          <p:nvSpPr>
+            <p:cNvPr id="67" name="Isosceles Triangle 65">
+              <a:extLst>
+                <a:ext uri="{FF2B5EF4-FFF2-40B4-BE49-F238E27FC236}">
+                  <a16:creationId xmlns:a16="http://schemas.microsoft.com/office/drawing/2014/main" id="{35B8C786-015E-B943-9A9B-68597D8351FC}"/>
+                </a:ext>
+              </a:extLst>
+            </p:cNvPr>
+            <p:cNvSpPr/>
+            <p:nvPr/>
+          </p:nvSpPr>
+          <p:spPr>
+            <a:xfrm>
+              <a:off x="7009354" y="3502971"/>
+              <a:ext cx="161044" cy="145182"/>
+            </a:xfrm>
+            <a:prstGeom prst="triangle">
+              <a:avLst/>
+            </a:prstGeom>
+            <a:solidFill>
+              <a:schemeClr val="bg1"/>
+            </a:solidFill>
+            <a:ln>
+              <a:solidFill>
+                <a:srgbClr val="000000"/>
+              </a:solidFill>
+            </a:ln>
+            <a:effectLst/>
+          </p:spPr>
+          <p:style>
+            <a:lnRef idx="1">
+              <a:schemeClr val="accent1"/>
+            </a:lnRef>
+            <a:fillRef idx="3">
+              <a:schemeClr val="accent1"/>
+            </a:fillRef>
+            <a:effectRef idx="2">
+              <a:schemeClr val="accent1"/>
+            </a:effectRef>
+            <a:fontRef idx="minor">
+              <a:schemeClr val="lt1"/>
+            </a:fontRef>
+          </p:style>
+          <p:txBody>
+            <a:bodyPr rtlCol="0" anchor="ctr"/>
+            <a:lstStyle/>
+            <a:p>
+              <a:pPr algn="ctr"/>
+              <a:endParaRPr lang="en-US"/>
+            </a:p>
+          </p:txBody>
+        </p:sp>
+      </p:grpSp>
       <p:pic>
         <p:nvPicPr>
-          <p:cNvPr id="32" name="Picture 31" descr="RKAK.d13C.soils.png"/>
+          <p:cNvPr id="79" name="Picture 78" descr="Chart&#10;&#10;Description automatically generated">
+            <a:extLst>
+              <a:ext uri="{FF2B5EF4-FFF2-40B4-BE49-F238E27FC236}">
+                <a16:creationId xmlns:a16="http://schemas.microsoft.com/office/drawing/2014/main" id="{F920D69C-07FC-1543-84D0-1DBB20046B0D}"/>
+              </a:ext>
+            </a:extLst>
+          </p:cNvPr>
           <p:cNvPicPr>
             <a:picLocks noChangeAspect="1"/>
           </p:cNvPicPr>
           <p:nvPr/>
         </p:nvPicPr>
         <p:blipFill rotWithShape="1">
-          <a:blip r:embed="rId2">
-            <a:extLst>
-              <a:ext uri="{28A0092B-C50C-407E-A947-70E740481C1C}">
-                <a14:useLocalDpi xmlns:a14="http://schemas.microsoft.com/office/drawing/2010/main" val="0"/>
-              </a:ext>
-            </a:extLst>
-          </a:blip>
-          <a:srcRect l="1610" t="20418" r="46207" b="16090"/>
+          <a:blip r:embed="rId3"/>
+          <a:srcRect l="58539" t="8803" r="6326" b="7254"/>
           <a:stretch/>
         </p:blipFill>
         <p:spPr>
           <a:xfrm>
-            <a:off x="4696063" y="331622"/>
-            <a:ext cx="4078484" cy="2481207"/>
+            <a:off x="3258462" y="2747342"/>
+            <a:ext cx="3068572" cy="3641426"/>
           </a:xfrm>
           <a:prstGeom prst="rect">
             <a:avLst/>
@@ -3916,85 +4364,27 @@
       </p:pic>
       <p:pic>
         <p:nvPicPr>
-          <p:cNvPr id="33" name="Picture 32" descr="RKAK.d15N.soils.png"/>
+          <p:cNvPr id="80" name="Picture 79" descr="Chart&#10;&#10;Description automatically generated with medium confidence">
+            <a:extLst>
+              <a:ext uri="{FF2B5EF4-FFF2-40B4-BE49-F238E27FC236}">
+                <a16:creationId xmlns:a16="http://schemas.microsoft.com/office/drawing/2014/main" id="{AB3D8940-4DEE-1A4F-BB15-2E6F5E9F245B}"/>
+              </a:ext>
+            </a:extLst>
+          </p:cNvPr>
           <p:cNvPicPr>
             <a:picLocks noChangeAspect="1"/>
           </p:cNvPicPr>
           <p:nvPr/>
         </p:nvPicPr>
         <p:blipFill rotWithShape="1">
-          <a:blip r:embed="rId3">
-            <a:extLst>
-              <a:ext uri="{28A0092B-C50C-407E-A947-70E740481C1C}">
-                <a14:useLocalDpi xmlns:a14="http://schemas.microsoft.com/office/drawing/2010/main" val="0"/>
-              </a:ext>
-            </a:extLst>
-          </a:blip>
-          <a:srcRect l="1588" t="20907" r="46626" b="16394"/>
+          <a:blip r:embed="rId2"/>
+          <a:srcRect l="59728" t="9132" r="7955" b="6924"/>
           <a:stretch/>
         </p:blipFill>
         <p:spPr>
           <a:xfrm>
-            <a:off x="389247" y="346364"/>
-            <a:ext cx="4047469" cy="2450191"/>
-          </a:xfrm>
-          <a:prstGeom prst="rect">
-            <a:avLst/>
-          </a:prstGeom>
-        </p:spPr>
-      </p:pic>
-      <p:pic>
-        <p:nvPicPr>
-          <p:cNvPr id="35" name="Picture 34" descr="RKAK.d15N.soils.png"/>
-          <p:cNvPicPr>
-            <a:picLocks noChangeAspect="1"/>
-          </p:cNvPicPr>
-          <p:nvPr/>
-        </p:nvPicPr>
-        <p:blipFill rotWithShape="1">
-          <a:blip r:embed="rId3">
-            <a:extLst>
-              <a:ext uri="{28A0092B-C50C-407E-A947-70E740481C1C}">
-                <a14:useLocalDpi xmlns:a14="http://schemas.microsoft.com/office/drawing/2010/main" val="0"/>
-              </a:ext>
-            </a:extLst>
-          </a:blip>
-          <a:srcRect l="61111" t="9004" r="5754" b="4886"/>
-          <a:stretch/>
-        </p:blipFill>
-        <p:spPr>
-          <a:xfrm>
-            <a:off x="1176405" y="2789143"/>
-            <a:ext cx="2751220" cy="3556931"/>
-          </a:xfrm>
-          <a:prstGeom prst="rect">
-            <a:avLst/>
-          </a:prstGeom>
-        </p:spPr>
-      </p:pic>
-      <p:pic>
-        <p:nvPicPr>
-          <p:cNvPr id="36" name="Picture 35" descr="RKAK.d13C.soils.png"/>
-          <p:cNvPicPr>
-            <a:picLocks noChangeAspect="1"/>
-          </p:cNvPicPr>
-          <p:nvPr/>
-        </p:nvPicPr>
-        <p:blipFill rotWithShape="1">
-          <a:blip r:embed="rId2">
-            <a:extLst>
-              <a:ext uri="{28A0092B-C50C-407E-A947-70E740481C1C}">
-                <a14:useLocalDpi xmlns:a14="http://schemas.microsoft.com/office/drawing/2010/main" val="0"/>
-              </a:ext>
-            </a:extLst>
-          </a:blip>
-          <a:srcRect l="59546" t="8911" r="4144" b="4582"/>
-          <a:stretch/>
-        </p:blipFill>
-        <p:spPr>
-          <a:xfrm>
-            <a:off x="5192773" y="2772869"/>
-            <a:ext cx="3014812" cy="3573323"/>
+            <a:off x="323252" y="2750836"/>
+            <a:ext cx="2829746" cy="3650753"/>
           </a:xfrm>
           <a:prstGeom prst="rect">
             <a:avLst/>

--- a/figures/pau/soil isoscape combined.pptx
+++ b/figures/pau/soil isoscape combined.pptx
@@ -302,7 +302,7 @@
           <a:p>
             <a:fld id="{6761E3C2-9BEC-E04E-909B-4B2F00AFE974}" type="datetimeFigureOut">
               <a:rPr lang="en-US" smtClean="0"/>
-              <a:t>7/22/22</a:t>
+              <a:t>10/18/22</a:t>
             </a:fld>
             <a:endParaRPr lang="en-US"/>
           </a:p>
@@ -470,7 +470,7 @@
           <a:p>
             <a:fld id="{6761E3C2-9BEC-E04E-909B-4B2F00AFE974}" type="datetimeFigureOut">
               <a:rPr lang="en-US" smtClean="0"/>
-              <a:t>7/22/22</a:t>
+              <a:t>10/18/22</a:t>
             </a:fld>
             <a:endParaRPr lang="en-US"/>
           </a:p>
@@ -648,7 +648,7 @@
           <a:p>
             <a:fld id="{6761E3C2-9BEC-E04E-909B-4B2F00AFE974}" type="datetimeFigureOut">
               <a:rPr lang="en-US" smtClean="0"/>
-              <a:t>7/22/22</a:t>
+              <a:t>10/18/22</a:t>
             </a:fld>
             <a:endParaRPr lang="en-US"/>
           </a:p>
@@ -816,7 +816,7 @@
           <a:p>
             <a:fld id="{6761E3C2-9BEC-E04E-909B-4B2F00AFE974}" type="datetimeFigureOut">
               <a:rPr lang="en-US" smtClean="0"/>
-              <a:t>7/22/22</a:t>
+              <a:t>10/18/22</a:t>
             </a:fld>
             <a:endParaRPr lang="en-US"/>
           </a:p>
@@ -1061,7 +1061,7 @@
           <a:p>
             <a:fld id="{6761E3C2-9BEC-E04E-909B-4B2F00AFE974}" type="datetimeFigureOut">
               <a:rPr lang="en-US" smtClean="0"/>
-              <a:t>7/22/22</a:t>
+              <a:t>10/18/22</a:t>
             </a:fld>
             <a:endParaRPr lang="en-US"/>
           </a:p>
@@ -1346,7 +1346,7 @@
           <a:p>
             <a:fld id="{6761E3C2-9BEC-E04E-909B-4B2F00AFE974}" type="datetimeFigureOut">
               <a:rPr lang="en-US" smtClean="0"/>
-              <a:t>7/22/22</a:t>
+              <a:t>10/18/22</a:t>
             </a:fld>
             <a:endParaRPr lang="en-US"/>
           </a:p>
@@ -1765,7 +1765,7 @@
           <a:p>
             <a:fld id="{6761E3C2-9BEC-E04E-909B-4B2F00AFE974}" type="datetimeFigureOut">
               <a:rPr lang="en-US" smtClean="0"/>
-              <a:t>7/22/22</a:t>
+              <a:t>10/18/22</a:t>
             </a:fld>
             <a:endParaRPr lang="en-US"/>
           </a:p>
@@ -1882,7 +1882,7 @@
           <a:p>
             <a:fld id="{6761E3C2-9BEC-E04E-909B-4B2F00AFE974}" type="datetimeFigureOut">
               <a:rPr lang="en-US" smtClean="0"/>
-              <a:t>7/22/22</a:t>
+              <a:t>10/18/22</a:t>
             </a:fld>
             <a:endParaRPr lang="en-US"/>
           </a:p>
@@ -1977,7 +1977,7 @@
           <a:p>
             <a:fld id="{6761E3C2-9BEC-E04E-909B-4B2F00AFE974}" type="datetimeFigureOut">
               <a:rPr lang="en-US" smtClean="0"/>
-              <a:t>7/22/22</a:t>
+              <a:t>10/18/22</a:t>
             </a:fld>
             <a:endParaRPr lang="en-US"/>
           </a:p>
@@ -2252,7 +2252,7 @@
           <a:p>
             <a:fld id="{6761E3C2-9BEC-E04E-909B-4B2F00AFE974}" type="datetimeFigureOut">
               <a:rPr lang="en-US" smtClean="0"/>
-              <a:t>7/22/22</a:t>
+              <a:t>10/18/22</a:t>
             </a:fld>
             <a:endParaRPr lang="en-US"/>
           </a:p>
@@ -2504,7 +2504,7 @@
           <a:p>
             <a:fld id="{6761E3C2-9BEC-E04E-909B-4B2F00AFE974}" type="datetimeFigureOut">
               <a:rPr lang="en-US" smtClean="0"/>
-              <a:t>7/22/22</a:t>
+              <a:t>10/18/22</a:t>
             </a:fld>
             <a:endParaRPr lang="en-US"/>
           </a:p>
@@ -2715,7 +2715,7 @@
           <a:p>
             <a:fld id="{6761E3C2-9BEC-E04E-909B-4B2F00AFE974}" type="datetimeFigureOut">
               <a:rPr lang="en-US" smtClean="0"/>
-              <a:t>7/22/22</a:t>
+              <a:t>10/18/22</a:t>
             </a:fld>
             <a:endParaRPr lang="en-US"/>
           </a:p>
@@ -4335,35 +4335,6 @@
       </p:grpSp>
       <p:pic>
         <p:nvPicPr>
-          <p:cNvPr id="79" name="Picture 78" descr="Chart&#10;&#10;Description automatically generated">
-            <a:extLst>
-              <a:ext uri="{FF2B5EF4-FFF2-40B4-BE49-F238E27FC236}">
-                <a16:creationId xmlns:a16="http://schemas.microsoft.com/office/drawing/2014/main" id="{F920D69C-07FC-1543-84D0-1DBB20046B0D}"/>
-              </a:ext>
-            </a:extLst>
-          </p:cNvPr>
-          <p:cNvPicPr>
-            <a:picLocks noChangeAspect="1"/>
-          </p:cNvPicPr>
-          <p:nvPr/>
-        </p:nvPicPr>
-        <p:blipFill rotWithShape="1">
-          <a:blip r:embed="rId3"/>
-          <a:srcRect l="58539" t="8803" r="6326" b="7254"/>
-          <a:stretch/>
-        </p:blipFill>
-        <p:spPr>
-          <a:xfrm>
-            <a:off x="3258462" y="2747342"/>
-            <a:ext cx="3068572" cy="3641426"/>
-          </a:xfrm>
-          <a:prstGeom prst="rect">
-            <a:avLst/>
-          </a:prstGeom>
-        </p:spPr>
-      </p:pic>
-      <p:pic>
-        <p:nvPicPr>
           <p:cNvPr id="80" name="Picture 79" descr="Chart&#10;&#10;Description automatically generated with medium confidence">
             <a:extLst>
               <a:ext uri="{FF2B5EF4-FFF2-40B4-BE49-F238E27FC236}">
@@ -4385,6 +4356,35 @@
           <a:xfrm>
             <a:off x="323252" y="2750836"/>
             <a:ext cx="2829746" cy="3650753"/>
+          </a:xfrm>
+          <a:prstGeom prst="rect">
+            <a:avLst/>
+          </a:prstGeom>
+        </p:spPr>
+      </p:pic>
+      <p:pic>
+        <p:nvPicPr>
+          <p:cNvPr id="3" name="Picture 2" descr="Chart&#10;&#10;Description automatically generated">
+            <a:extLst>
+              <a:ext uri="{FF2B5EF4-FFF2-40B4-BE49-F238E27FC236}">
+                <a16:creationId xmlns:a16="http://schemas.microsoft.com/office/drawing/2014/main" id="{722FC0F3-ED9E-B64B-A1D8-79F5876D3653}"/>
+              </a:ext>
+            </a:extLst>
+          </p:cNvPr>
+          <p:cNvPicPr>
+            <a:picLocks noChangeAspect="1"/>
+          </p:cNvPicPr>
+          <p:nvPr/>
+        </p:nvPicPr>
+        <p:blipFill rotWithShape="1">
+          <a:blip r:embed="rId4"/>
+          <a:srcRect l="58359" t="9443" r="6059" b="8824"/>
+          <a:stretch/>
+        </p:blipFill>
+        <p:spPr>
+          <a:xfrm>
+            <a:off x="3268672" y="2773691"/>
+            <a:ext cx="3105156" cy="3566427"/>
           </a:xfrm>
           <a:prstGeom prst="rect">
             <a:avLst/>
